--- a/aulas/21-semaforos/slides.pptx
+++ b/aulas/21-semaforos/slides.pptx
@@ -20,6 +20,7 @@
     <p:sldId id="266" r:id="rId17"/>
     <p:sldId id="267" r:id="rId18"/>
     <p:sldId id="268" r:id="rId19"/>
+    <p:sldId id="269" r:id="rId20"/>
   </p:sldIdLst>
   <p:sldSz cx="9143424" cy="6857568" type="custom"/>
   <p:notesSz cx="6857568" cy="9143424"/>
@@ -657,7 +658,7 @@
                 <a:latin typeface="Verdana"/>
                 <a:ea typeface="Verdana"/>
               </a:rPr>
-              <a:t>Aula 20 - Semáforos</a:t>
+              <a:t>Aula 21 - Semáforos</a:t>
             </a:r>
             <a:endParaRPr lang="pt-BR" sz="2000" b="0" strike="noStrike" spc="0">
               <a:latin typeface="Arial"/>
@@ -806,7 +807,7 @@
 
 <file path=ppt/slides/slide10.xml><?xml version="1.0" encoding="utf-8"?>
 <p:sld xmlns:a="http://schemas.openxmlformats.org/drawingml/2006/main" xmlns:r="http://schemas.openxmlformats.org/officeDocument/2006/relationships" xmlns:p="http://schemas.openxmlformats.org/presentationml/2006/main" xmlns:m="http://schemas.openxmlformats.org/officeDocument/2006/math" xmlns:w="http://schemas.openxmlformats.org/wordprocessingml/2006/main" showMasterPhAnim="0" show="1">
-  <p:cSld name="page14">
+  <p:cSld name="page16">
     <p:spTree>
       <p:nvGrpSpPr>
         <p:cNvPr id="1" name="" hidden="0"/>
@@ -869,7 +870,7 @@
                 <a:ea typeface="Verdana"/>
                 <a:cs typeface="DejaVu Sans"/>
               </a:rPr>
-              <a:t>Semáforos</a:t>
+              <a:t>Exemplo 1 – produtor consumidor</a:t>
             </a:r>
             <a:br>
               <a:rPr strike="noStrike"/>
@@ -884,18 +885,287 @@
           </a:p>
         </p:txBody>
       </p:sp>
-      <p:sp>
-        <p:nvSpPr>
-          <p:cNvPr id="5" name="TextShape 2" hidden="0"/>
+      <p:pic>
+        <p:nvPicPr>
+          <p:cNvPr id="5" name="" hidden="0"/>
+          <p:cNvPicPr/>
+          <p:nvPr isPhoto="0" userDrawn="0"/>
+        </p:nvPicPr>
+        <p:blipFill>
+          <a:blip r:embed="rId2">
+            <a:alphaModFix amt="100000"/>
+            <a:lum bright="0" contrast="0"/>
+          </a:blip>
+          <a:stretch/>
+        </p:blipFill>
+        <p:spPr bwMode="auto">
+          <a:xfrm>
+            <a:off x="3019488" y="3235115"/>
+            <a:ext cx="1731848" cy="1156246"/>
+          </a:xfrm>
+          <a:prstGeom prst="rect">
+            <a:avLst/>
+          </a:prstGeom>
+          <a:ln>
+            <a:noFill/>
+          </a:ln>
+        </p:spPr>
+      </p:pic>
+      <p:pic>
+        <p:nvPicPr>
+          <p:cNvPr id="6" name="" hidden="0"/>
+          <p:cNvPicPr/>
+          <p:nvPr isPhoto="0" userDrawn="0"/>
+        </p:nvPicPr>
+        <p:blipFill>
+          <a:blip r:embed="rId3">
+            <a:alphaModFix amt="100000"/>
+            <a:lum bright="0" contrast="0"/>
+          </a:blip>
+          <a:stretch/>
+        </p:blipFill>
+        <p:spPr bwMode="auto">
+          <a:xfrm>
+            <a:off x="277182" y="3136842"/>
+            <a:ext cx="1810324" cy="1398509"/>
+          </a:xfrm>
+          <a:prstGeom prst="rect">
+            <a:avLst/>
+          </a:prstGeom>
+          <a:ln>
+            <a:noFill/>
+          </a:ln>
+        </p:spPr>
+      </p:pic>
+      <p:sp>
+        <p:nvSpPr>
+          <p:cNvPr id="7" name="Line 2" hidden="0"/>
           <p:cNvSpPr>
             <a:spLocks noGrp="1"/>
           </p:cNvSpPr>
           <p:nvPr isPhoto="0" userDrawn="0"/>
         </p:nvSpPr>
         <p:spPr bwMode="auto">
+          <a:xfrm>
+            <a:off x="2231858" y="3743763"/>
+            <a:ext cx="643638" cy="358"/>
+          </a:xfrm>
+          <a:prstGeom prst="line">
+            <a:avLst/>
+          </a:prstGeom>
+          <a:ln w="12700">
+            <a:solidFill>
+              <a:srgbClr val="000000"/>
+            </a:solidFill>
+            <a:tailEnd type="triangle"/>
+          </a:ln>
+        </p:spPr>
+        <p:txBody>
+          <a:bodyPr lIns="89992" tIns="44995" rIns="89992" bIns="44995" anchor="t"/>
+          <a:p>
+            <a:pPr>
+              <a:defRPr/>
+            </a:pPr>
+            <a:endParaRPr/>
+          </a:p>
+        </p:txBody>
+      </p:sp>
+      <p:pic>
+        <p:nvPicPr>
+          <p:cNvPr id="8" name="" hidden="0"/>
+          <p:cNvPicPr/>
+          <p:nvPr isPhoto="0" userDrawn="0"/>
+        </p:nvPicPr>
+        <p:blipFill>
+          <a:blip r:embed="rId4">
+            <a:alphaModFix amt="100000"/>
+            <a:lum bright="0" contrast="0"/>
+          </a:blip>
+          <a:stretch/>
+        </p:blipFill>
+        <p:spPr bwMode="auto">
+          <a:xfrm>
+            <a:off x="7415532" y="2879817"/>
+            <a:ext cx="1542501" cy="1542501"/>
+          </a:xfrm>
+          <a:prstGeom prst="rect">
+            <a:avLst/>
+          </a:prstGeom>
+          <a:ln>
+            <a:noFill/>
+          </a:ln>
+        </p:spPr>
+      </p:pic>
+      <p:pic>
+        <p:nvPicPr>
+          <p:cNvPr id="9" name="" hidden="0"/>
+          <p:cNvPicPr/>
+          <p:nvPr isPhoto="0" userDrawn="0"/>
+        </p:nvPicPr>
+        <p:blipFill>
+          <a:blip r:embed="rId5">
+            <a:alphaModFix amt="100000"/>
+            <a:lum bright="0" contrast="0"/>
+          </a:blip>
+          <a:stretch/>
+        </p:blipFill>
+        <p:spPr bwMode="auto">
+          <a:xfrm>
+            <a:off x="5701320" y="3239794"/>
+            <a:ext cx="1137888" cy="1254519"/>
+          </a:xfrm>
+          <a:prstGeom prst="rect">
+            <a:avLst/>
+          </a:prstGeom>
+          <a:ln>
+            <a:noFill/>
+          </a:ln>
+        </p:spPr>
+      </p:pic>
+      <p:sp>
+        <p:nvSpPr>
+          <p:cNvPr id="10" name="Line 3" hidden="0"/>
+          <p:cNvSpPr>
+            <a:spLocks noGrp="1"/>
+          </p:cNvSpPr>
+          <p:nvPr isPhoto="0" userDrawn="0"/>
+        </p:nvSpPr>
+        <p:spPr bwMode="auto">
+          <a:xfrm>
+            <a:off x="4823695" y="3743763"/>
+            <a:ext cx="647958" cy="358"/>
+          </a:xfrm>
+          <a:prstGeom prst="line">
+            <a:avLst/>
+          </a:prstGeom>
+          <a:ln w="12700">
+            <a:solidFill>
+              <a:srgbClr val="000000"/>
+            </a:solidFill>
+            <a:tailEnd type="triangle"/>
+          </a:ln>
+        </p:spPr>
+        <p:txBody>
+          <a:bodyPr lIns="89992" tIns="44995" rIns="89992" bIns="44995" anchor="t"/>
+          <a:p>
+            <a:pPr>
+              <a:defRPr/>
+            </a:pPr>
+            <a:endParaRPr/>
+          </a:p>
+        </p:txBody>
+      </p:sp>
+      <p:sp>
+        <p:nvSpPr>
+          <p:cNvPr id="11" name="Line 4" hidden="0"/>
+          <p:cNvSpPr>
+            <a:spLocks noGrp="1"/>
+          </p:cNvSpPr>
+          <p:nvPr isPhoto="0" userDrawn="0"/>
+        </p:nvSpPr>
+        <p:spPr bwMode="auto">
+          <a:xfrm>
+            <a:off x="6983559" y="3671767"/>
+            <a:ext cx="791949" cy="358"/>
+          </a:xfrm>
+          <a:prstGeom prst="line">
+            <a:avLst/>
+          </a:prstGeom>
+          <a:ln w="12700">
+            <a:solidFill>
+              <a:srgbClr val="000000"/>
+            </a:solidFill>
+            <a:tailEnd type="triangle"/>
+          </a:ln>
+        </p:spPr>
+        <p:txBody>
+          <a:bodyPr lIns="89992" tIns="44995" rIns="89992" bIns="44995" anchor="t"/>
+          <a:p>
+            <a:pPr>
+              <a:defRPr/>
+            </a:pPr>
+            <a:endParaRPr/>
+          </a:p>
+        </p:txBody>
+      </p:sp>
+      <p:sp>
+        <p:nvSpPr>
+          <p:cNvPr id="12" name="CustomShape 5" hidden="0"/>
+          <p:cNvSpPr>
+            <a:spLocks noGrp="1"/>
+          </p:cNvSpPr>
+          <p:nvPr isPhoto="0" userDrawn="0"/>
+        </p:nvSpPr>
+        <p:spPr bwMode="auto">
           <a:xfrm flipH="0" flipV="0">
-            <a:off x="711315" y="1720330"/>
-            <a:ext cx="8226417" cy="4479147"/>
+            <a:off x="2591835" y="2807821"/>
+            <a:ext cx="2159502" cy="1799525"/>
+          </a:xfrm>
+          <a:prstGeom prst="ellipse">
+            <a:avLst/>
+          </a:prstGeom>
+          <a:noFill/>
+          <a:ln w="12700">
+            <a:solidFill>
+              <a:srgbClr val="FF0000"/>
+            </a:solidFill>
+          </a:ln>
+        </p:spPr>
+        <p:txBody>
+          <a:bodyPr lIns="89992" tIns="44995" rIns="89992" bIns="44995" anchor="t"/>
+          <a:p>
+            <a:pPr>
+              <a:defRPr/>
+            </a:pPr>
+            <a:endParaRPr/>
+          </a:p>
+        </p:txBody>
+      </p:sp>
+      <p:sp>
+        <p:nvSpPr>
+          <p:cNvPr id="13" name="CustomShape 6" hidden="0"/>
+          <p:cNvSpPr>
+            <a:spLocks noGrp="1"/>
+          </p:cNvSpPr>
+          <p:nvPr isPhoto="0" userDrawn="0"/>
+        </p:nvSpPr>
+        <p:spPr bwMode="auto">
+          <a:xfrm flipH="0" flipV="0">
+            <a:off x="5327663" y="2807821"/>
+            <a:ext cx="1799525" cy="1871521"/>
+          </a:xfrm>
+          <a:prstGeom prst="ellipse">
+            <a:avLst/>
+          </a:prstGeom>
+          <a:noFill/>
+          <a:ln w="12700">
+            <a:solidFill>
+              <a:srgbClr val="FF0000"/>
+            </a:solidFill>
+          </a:ln>
+        </p:spPr>
+        <p:txBody>
+          <a:bodyPr lIns="89992" tIns="44995" rIns="89992" bIns="44995" anchor="t"/>
+          <a:p>
+            <a:pPr>
+              <a:defRPr/>
+            </a:pPr>
+            <a:endParaRPr/>
+          </a:p>
+        </p:txBody>
+      </p:sp>
+      <p:sp>
+        <p:nvSpPr>
+          <p:cNvPr id="14" name="TextShape 7" hidden="0"/>
+          <p:cNvSpPr>
+            <a:spLocks noGrp="1"/>
+          </p:cNvSpPr>
+          <p:nvPr isPhoto="0" userDrawn="0"/>
+        </p:nvSpPr>
+        <p:spPr bwMode="auto">
+          <a:xfrm flipH="0" flipV="0">
+            <a:off x="764230" y="2093627"/>
+            <a:ext cx="2475202" cy="912541"/>
           </a:xfrm>
           <a:prstGeom prst="rect">
             <a:avLst/>
@@ -924,25 +1194,65 @@
               <a:defRPr/>
             </a:pPr>
             <a:r>
-              <a:rPr sz="2400" u="none">
-                <a:solidFill>
-                  <a:srgbClr val="000000"/>
-                </a:solidFill>
+              <a:rPr sz="1800" u="sng">
                 <a:latin typeface="Arial"/>
-                <a:ea typeface="Arial"/>
-                <a:cs typeface="Arial"/>
-              </a:rPr>
-              <a:t>"Inteiro especial que nunca fica negativo"</a:t>
-            </a:r>
-            <a:endParaRPr sz="2400" u="none">
-              <a:solidFill>
-                <a:srgbClr val="000000"/>
-              </a:solidFill>
-              <a:latin typeface="Arial"/>
-              <a:ea typeface="Arial"/>
-              <a:cs typeface="Arial"/>
-            </a:endParaRPr>
-          </a:p>
+              </a:rPr>
+              <a:t>Produtor: </a:t>
+            </a:r>
+            <a:r>
+              <a:rPr sz="1800" u="none">
+                <a:latin typeface="Arial"/>
+              </a:rPr>
+              <a:t>Escaneia e </a:t>
+            </a:r>
+            <a:br>
+              <a:rPr strike="noStrike"/>
+            </a:br>
+            <a:r>
+              <a:rPr sz="1800" u="none">
+                <a:latin typeface="Arial"/>
+              </a:rPr>
+              <a:t>devolve imagem a ser </a:t>
+            </a:r>
+            <a:br>
+              <a:rPr strike="noStrike"/>
+            </a:br>
+            <a:r>
+              <a:rPr sz="1800" u="none">
+                <a:latin typeface="Arial"/>
+              </a:rPr>
+              <a:t>processada</a:t>
+            </a:r>
+            <a:endParaRPr/>
+          </a:p>
+        </p:txBody>
+      </p:sp>
+      <p:sp>
+        <p:nvSpPr>
+          <p:cNvPr id="15" name="TextShape 8" hidden="0"/>
+          <p:cNvSpPr>
+            <a:spLocks noGrp="1"/>
+          </p:cNvSpPr>
+          <p:nvPr isPhoto="0" userDrawn="0"/>
+        </p:nvSpPr>
+        <p:spPr bwMode="auto">
+          <a:xfrm flipH="0" flipV="0">
+            <a:off x="5255667" y="4679704"/>
+            <a:ext cx="2627833" cy="638238"/>
+          </a:xfrm>
+          <a:prstGeom prst="rect">
+            <a:avLst/>
+          </a:prstGeom>
+          <a:noFill/>
+          <a:ln>
+            <a:noFill/>
+          </a:ln>
+        </p:spPr>
+        <p:txBody>
+          <a:bodyPr lIns="89992" tIns="44995" rIns="89992" bIns="44995" anchor="t">
+            <a:spAutoFit/>
+          </a:bodyPr>
+          <a:lstStyle/>
           <a:p>
             <a:pPr algn="ctr">
               <a:lnSpc>
@@ -956,318 +1266,151 @@
               </a:spcAft>
               <a:defRPr/>
             </a:pPr>
-            <a:endParaRPr sz="2400" u="none">
-              <a:solidFill>
-                <a:srgbClr val="000000"/>
-              </a:solidFill>
-              <a:latin typeface="Arial"/>
-              <a:ea typeface="Arial"/>
-              <a:cs typeface="Arial"/>
-            </a:endParaRPr>
-          </a:p>
-          <a:p>
-            <a:pPr algn="l">
-              <a:lnSpc>
-                <a:spcPct val="100000"/>
-              </a:lnSpc>
-              <a:spcBef>
-                <a:spcPts val="0"/>
-              </a:spcBef>
-              <a:spcAft>
-                <a:spcPts val="0"/>
-              </a:spcAft>
-              <a:defRPr/>
-            </a:pPr>
-            <a:r>
-              <a:rPr sz="2400" u="none">
-                <a:solidFill>
-                  <a:srgbClr val="000000"/>
-                </a:solidFill>
+            <a:r>
+              <a:rPr sz="1800" u="sng">
                 <a:latin typeface="Arial"/>
-                <a:ea typeface="Arial"/>
-                <a:cs typeface="Arial"/>
-              </a:rPr>
-              <a:t>Só pode ser manipulado por duas operações </a:t>
-            </a:r>
-            <a:r>
-              <a:rPr sz="2400" u="sng">
-                <a:solidFill>
-                  <a:srgbClr val="000000"/>
-                </a:solidFill>
+              </a:rPr>
+              <a:t>Consumidor:</a:t>
+            </a:r>
+            <a:r>
+              <a:rPr sz="1800" u="none">
                 <a:latin typeface="Arial"/>
-                <a:ea typeface="Arial"/>
-                <a:cs typeface="Arial"/>
-              </a:rPr>
-              <a:t>atômicas</a:t>
-            </a:r>
-            <a:endParaRPr sz="2400" u="sng">
-              <a:solidFill>
-                <a:srgbClr val="000000"/>
-              </a:solidFill>
-              <a:latin typeface="Arial"/>
-              <a:ea typeface="Arial"/>
-              <a:cs typeface="Arial"/>
-            </a:endParaRPr>
-          </a:p>
-          <a:p>
-            <a:pPr algn="l">
-              <a:lnSpc>
-                <a:spcPct val="100000"/>
-              </a:lnSpc>
-              <a:spcBef>
-                <a:spcPts val="0"/>
-              </a:spcBef>
-              <a:spcAft>
-                <a:spcPts val="0"/>
-              </a:spcAft>
-              <a:defRPr/>
-            </a:pPr>
-            <a:endParaRPr sz="2400" u="sng">
-              <a:solidFill>
-                <a:srgbClr val="000000"/>
-              </a:solidFill>
-              <a:latin typeface="Arial"/>
-              <a:ea typeface="Arial"/>
-              <a:cs typeface="Arial"/>
-            </a:endParaRPr>
-          </a:p>
-          <a:p>
-            <a:pPr algn="l">
-              <a:lnSpc>
-                <a:spcPct val="100000"/>
-              </a:lnSpc>
-              <a:spcBef>
-                <a:spcPts val="0"/>
-              </a:spcBef>
-              <a:spcAft>
-                <a:spcPts val="0"/>
-              </a:spcAft>
-              <a:defRPr/>
-            </a:pPr>
-            <a:r>
-              <a:rPr sz="2400" u="sng">
-                <a:solidFill>
-                  <a:srgbClr val="000000"/>
-                </a:solidFill>
+              </a:rPr>
+              <a:t> transforma</a:t>
+            </a:r>
+            <a:br>
+              <a:rPr strike="noStrike"/>
+            </a:br>
+            <a:r>
+              <a:rPr sz="1800" u="none">
                 <a:latin typeface="Arial"/>
-                <a:ea typeface="Arial"/>
-                <a:cs typeface="Arial"/>
-              </a:rPr>
-              <a:t>POST</a:t>
-            </a:r>
-            <a:r>
-              <a:rPr sz="2400" u="none">
-                <a:solidFill>
-                  <a:srgbClr val="000000"/>
-                </a:solidFill>
-                <a:latin typeface="Arial"/>
-                <a:ea typeface="Arial"/>
-                <a:cs typeface="Arial"/>
-              </a:rPr>
-              <a:t>:</a:t>
-            </a:r>
-            <a:endParaRPr sz="2400" u="none">
-              <a:solidFill>
-                <a:srgbClr val="000000"/>
-              </a:solidFill>
-              <a:latin typeface="Arial"/>
-              <a:ea typeface="Arial"/>
-              <a:cs typeface="Arial"/>
-            </a:endParaRPr>
-          </a:p>
-          <a:p>
-            <a:pPr algn="l">
-              <a:lnSpc>
-                <a:spcPct val="100000"/>
-              </a:lnSpc>
-              <a:spcBef>
-                <a:spcPts val="0"/>
-              </a:spcBef>
-              <a:spcAft>
-                <a:spcPts val="0"/>
-              </a:spcAft>
-              <a:defRPr/>
-            </a:pPr>
-            <a:endParaRPr sz="2400" u="none">
-              <a:solidFill>
-                <a:srgbClr val="000000"/>
-              </a:solidFill>
-              <a:latin typeface="Arial"/>
-              <a:ea typeface="Arial"/>
-              <a:cs typeface="Arial"/>
-            </a:endParaRPr>
-          </a:p>
-          <a:p>
-            <a:pPr marL="750015" lvl="1" indent="-349965" algn="l">
-              <a:lnSpc>
-                <a:spcPct val="100000"/>
-              </a:lnSpc>
-              <a:spcBef>
-                <a:spcPts val="0"/>
-              </a:spcBef>
-              <a:spcAft>
-                <a:spcPts val="0"/>
-              </a:spcAft>
-              <a:buFont typeface="Arial"/>
-              <a:buChar char="•"/>
-              <a:defRPr/>
-            </a:pPr>
-            <a:r>
-              <a:rPr sz="2400" u="none">
-                <a:solidFill>
-                  <a:srgbClr val="000000"/>
-                </a:solidFill>
-                <a:latin typeface="Arial"/>
-                <a:ea typeface="Arial"/>
-                <a:cs typeface="Arial"/>
-              </a:rPr>
-              <a:t>Aumenta o valor em 1</a:t>
-            </a:r>
-            <a:endParaRPr sz="2400" strike="noStrike">
-              <a:latin typeface="Arial"/>
-              <a:ea typeface="Arial"/>
-              <a:cs typeface="Arial"/>
-            </a:endParaRPr>
-          </a:p>
-          <a:p>
-            <a:pPr marL="750015" lvl="1" indent="-349965" algn="l">
-              <a:lnSpc>
-                <a:spcPct val="100000"/>
-              </a:lnSpc>
-              <a:spcBef>
-                <a:spcPts val="0"/>
-              </a:spcBef>
-              <a:spcAft>
-                <a:spcPts val="0"/>
-              </a:spcAft>
-              <a:buFont typeface="Arial"/>
-              <a:buChar char="•"/>
-              <a:defRPr/>
-            </a:pPr>
-            <a:endParaRPr sz="2400" strike="noStrike">
-              <a:latin typeface="Arial"/>
-              <a:ea typeface="Arial"/>
-              <a:cs typeface="Arial"/>
-            </a:endParaRPr>
-          </a:p>
-          <a:p>
-            <a:pPr lvl="1" algn="l">
-              <a:lnSpc>
-                <a:spcPct val="100000"/>
-              </a:lnSpc>
-              <a:spcBef>
-                <a:spcPts val="0"/>
-              </a:spcBef>
-              <a:spcAft>
-                <a:spcPts val="0"/>
-              </a:spcAft>
-              <a:defRPr/>
-            </a:pPr>
-            <a:r>
-              <a:rPr sz="2400" u="sng" strike="noStrike">
-                <a:latin typeface="Arial"/>
-                <a:ea typeface="Arial"/>
-                <a:cs typeface="Arial"/>
-              </a:rPr>
-              <a:t>WAIT:</a:t>
-            </a:r>
-            <a:endParaRPr sz="2400" u="sng" strike="noStrike">
-              <a:latin typeface="Arial"/>
-              <a:ea typeface="Arial"/>
-              <a:cs typeface="Arial"/>
-            </a:endParaRPr>
-          </a:p>
-          <a:p>
-            <a:pPr lvl="1" algn="l">
-              <a:lnSpc>
-                <a:spcPct val="100000"/>
-              </a:lnSpc>
-              <a:spcBef>
-                <a:spcPts val="0"/>
-              </a:spcBef>
-              <a:spcAft>
-                <a:spcPts val="0"/>
-              </a:spcAft>
-              <a:defRPr/>
-            </a:pPr>
-            <a:endParaRPr sz="2400" u="none">
-              <a:solidFill>
-                <a:srgbClr val="000000"/>
-              </a:solidFill>
-              <a:latin typeface="Arial"/>
-              <a:ea typeface="Arial"/>
-              <a:cs typeface="Arial"/>
-            </a:endParaRPr>
-          </a:p>
-          <a:p>
-            <a:pPr marL="750015" lvl="2" indent="-349965" algn="l">
-              <a:lnSpc>
-                <a:spcPct val="100000"/>
-              </a:lnSpc>
-              <a:spcBef>
-                <a:spcPts val="0"/>
-              </a:spcBef>
-              <a:spcAft>
-                <a:spcPts val="0"/>
-              </a:spcAft>
-              <a:buFont typeface="Arial"/>
-              <a:buChar char="•"/>
-              <a:defRPr/>
-            </a:pPr>
-            <a:r>
-              <a:rPr sz="2400" u="none">
-                <a:solidFill>
-                  <a:srgbClr val="000000"/>
-                </a:solidFill>
-                <a:latin typeface="Arial"/>
-                <a:ea typeface="Arial"/>
-                <a:cs typeface="Arial"/>
-              </a:rPr>
-              <a:t>Se for positivo, diminui em 1</a:t>
-            </a:r>
-            <a:endParaRPr sz="2400" u="none">
-              <a:solidFill>
-                <a:srgbClr val="000000"/>
-              </a:solidFill>
-              <a:latin typeface="Arial"/>
-              <a:ea typeface="Arial"/>
-              <a:cs typeface="Arial"/>
-            </a:endParaRPr>
-          </a:p>
-          <a:p>
-            <a:pPr marL="750015" lvl="2" indent="-349965" algn="l">
-              <a:lnSpc>
-                <a:spcPct val="100000"/>
-              </a:lnSpc>
-              <a:spcBef>
-                <a:spcPts val="0"/>
-              </a:spcBef>
-              <a:spcAft>
-                <a:spcPts val="0"/>
-              </a:spcAft>
-              <a:buFont typeface="Arial"/>
-              <a:buChar char="•"/>
-              <a:defRPr/>
-            </a:pPr>
-            <a:r>
-              <a:rPr sz="2400" u="none">
-                <a:solidFill>
-                  <a:srgbClr val="000000"/>
-                </a:solidFill>
-                <a:latin typeface="Arial"/>
-                <a:ea typeface="Arial"/>
-                <a:cs typeface="Arial"/>
-              </a:rPr>
-              <a:t>Se for 0 fica esperando;</a:t>
-            </a:r>
-            <a:endParaRPr sz="2400" u="none">
-              <a:solidFill>
-                <a:srgbClr val="000000"/>
-              </a:solidFill>
-              <a:latin typeface="Arial"/>
-              <a:ea typeface="Arial"/>
-              <a:cs typeface="Arial"/>
-            </a:endParaRPr>
+              </a:rPr>
+              <a:t>imagem em informação</a:t>
+            </a:r>
+            <a:endParaRPr/>
+          </a:p>
+        </p:txBody>
+      </p:sp>
+      <p:sp>
+        <p:nvSpPr>
+          <p:cNvPr id="16" name="" hidden="0"/>
+          <p:cNvSpPr>
+            <a:spLocks noGrp="1"/>
+          </p:cNvSpPr>
+          <p:nvPr isPhoto="0" userDrawn="0"/>
+        </p:nvSpPr>
+        <p:spPr bwMode="auto">
+          <a:xfrm>
+            <a:off x="663016" y="5039681"/>
+            <a:ext cx="4145693" cy="1295989"/>
+          </a:xfrm>
+          <a:prstGeom prst="rect">
+            <a:avLst/>
+          </a:prstGeom>
+          <a:solidFill>
+            <a:srgbClr val="EF413D"/>
+          </a:solidFill>
+          <a:ln w="12700">
+            <a:solidFill>
+              <a:srgbClr val="EF413D"/>
+            </a:solidFill>
+          </a:ln>
+        </p:spPr>
+        <p:txBody>
+          <a:bodyPr wrap="none" lIns="89992" tIns="44995" rIns="89992" bIns="44995" anchor="ctr"/>
+          <a:lstStyle/>
+          <a:p>
+            <a:pPr algn="ctr">
+              <a:defRPr/>
+            </a:pPr>
+            <a:r>
+              <a:rPr sz="1600" b="1" u="none" strike="noStrike">
+                <a:solidFill>
+                  <a:srgbClr val="EEEEEE"/>
+                </a:solidFill>
+              </a:rPr>
+              <a:t>Sincronização</a:t>
+            </a:r>
+            <a:br>
+              <a:rPr sz="1600" strike="noStrike">
+                <a:solidFill>
+                  <a:srgbClr val="EEEEEE"/>
+                </a:solidFill>
+              </a:rPr>
+            </a:br>
+            <a:endParaRPr sz="1600"/>
+          </a:p>
+          <a:p>
+            <a:pPr lvl="0" indent="215985" algn="ctr">
+              <a:buSzPct val="100000"/>
+              <a:buAutoNum type="arabicPeriod" startAt="1"/>
+              <a:defRPr/>
+            </a:pPr>
+            <a:endParaRPr sz="1600"/>
+          </a:p>
+          <a:p>
+            <a:pPr lvl="0" indent="215985" algn="l">
+              <a:buSzPct val="100000"/>
+              <a:buAutoNum type="arabicPeriod" startAt="1"/>
+              <a:defRPr/>
+            </a:pPr>
+            <a:r>
+              <a:rPr sz="1600" strike="noStrike">
+                <a:solidFill>
+                  <a:srgbClr val="EEEEEE"/>
+                </a:solidFill>
+              </a:rPr>
+              <a:t> </a:t>
+            </a:r>
+            <a:r>
+              <a:rPr sz="1600" u="sng" strike="noStrike">
+                <a:solidFill>
+                  <a:srgbClr val="EEEEEE"/>
+                </a:solidFill>
+              </a:rPr>
+              <a:t>Consumidor</a:t>
+            </a:r>
+            <a:r>
+              <a:rPr sz="1600" strike="noStrike">
+                <a:solidFill>
+                  <a:srgbClr val="EEEEEE"/>
+                </a:solidFill>
+              </a:rPr>
+              <a:t>: espera produtor enviar item</a:t>
+            </a:r>
+            <a:endParaRPr sz="1600"/>
+          </a:p>
+          <a:p>
+            <a:pPr lvl="0" indent="215985" algn="l">
+              <a:buSzPct val="100000"/>
+              <a:buAutoNum type="arabicPeriod" startAt="1"/>
+              <a:defRPr/>
+            </a:pPr>
+            <a:r>
+              <a:rPr sz="1600" u="none" strike="noStrike">
+                <a:solidFill>
+                  <a:srgbClr val="EEEEEE"/>
+                </a:solidFill>
+              </a:rPr>
+              <a:t> </a:t>
+            </a:r>
+            <a:r>
+              <a:rPr sz="1600" u="sng" strike="noStrike">
+                <a:solidFill>
+                  <a:srgbClr val="EEEEEE"/>
+                </a:solidFill>
+              </a:rPr>
+              <a:t>Produtor</a:t>
+            </a:r>
+            <a:r>
+              <a:rPr sz="1600" strike="noStrike">
+                <a:solidFill>
+                  <a:srgbClr val="EEEEEE"/>
+                </a:solidFill>
+              </a:rPr>
+              <a:t>: cria item e avisa Consumidor</a:t>
+            </a:r>
+            <a:endParaRPr sz="1600"/>
           </a:p>
         </p:txBody>
       </p:sp>
@@ -1289,7 +1432,7 @@
 
 <file path=ppt/slides/slide11.xml><?xml version="1.0" encoding="utf-8"?>
 <p:sld xmlns:a="http://schemas.openxmlformats.org/drawingml/2006/main" xmlns:r="http://schemas.openxmlformats.org/officeDocument/2006/relationships" xmlns:p="http://schemas.openxmlformats.org/presentationml/2006/main" xmlns:m="http://schemas.openxmlformats.org/officeDocument/2006/math" xmlns:w="http://schemas.openxmlformats.org/wordprocessingml/2006/main" showMasterPhAnim="0" show="1">
-  <p:cSld name="">
+  <p:cSld name="page14">
     <p:spTree>
       <p:nvGrpSpPr>
         <p:cNvPr id="1" name="" hidden="0"/>
@@ -1306,14 +1449,16 @@
       </p:grpSpPr>
       <p:sp>
         <p:nvSpPr>
-          <p:cNvPr id="4" name="Google Shape;347;p64" hidden="0"/>
-          <p:cNvSpPr/>
-          <p:nvPr isPhoto="0" userDrawn="0"/>
-        </p:nvSpPr>
-        <p:spPr bwMode="auto">
-          <a:xfrm>
-            <a:off x="457164" y="2920462"/>
-            <a:ext cx="8227994" cy="618075"/>
+          <p:cNvPr id="4" name="CustomShape 1" hidden="0"/>
+          <p:cNvSpPr>
+            <a:spLocks noGrp="1"/>
+          </p:cNvSpPr>
+          <p:nvPr isPhoto="0" userDrawn="0"/>
+        </p:nvSpPr>
+        <p:spPr bwMode="auto">
+          <a:xfrm flipH="0" flipV="0">
+            <a:off x="457170" y="781149"/>
+            <a:ext cx="8227280" cy="617360"/>
           </a:xfrm>
           <a:prstGeom prst="rect">
             <a:avLst/>
@@ -1324,12 +1469,12 @@
           </a:ln>
         </p:spPr>
         <p:txBody>
-          <a:bodyPr spcFirstLastPara="1" wrap="square" lIns="90000" tIns="45000" rIns="90000" bIns="45000" anchor="t" anchorCtr="0">
-            <a:noAutofit/>
+          <a:bodyPr lIns="89992" tIns="44995" rIns="89992" bIns="44995" anchor="t">
+            <a:normAutofit/>
           </a:bodyPr>
           <a:lstStyle/>
           <a:p>
-            <a:pPr marL="0" marR="0" lvl="0" indent="0" algn="ctr">
+            <a:pPr algn="l">
               <a:lnSpc>
                 <a:spcPct val="100000"/>
               </a:lnSpc>
@@ -1339,96 +1484,93 @@
               <a:spcAft>
                 <a:spcPts val="0"/>
               </a:spcAft>
-              <a:buNone/>
-              <a:defRPr/>
-            </a:pPr>
-            <a:r>
-              <a:rPr lang="pt-BR" sz="3600" b="1" i="0" u="none" strike="noStrike" cap="none">
+              <a:defRPr/>
+            </a:pPr>
+            <a:r>
+              <a:rPr sz="3200" u="none">
                 <a:solidFill>
                   <a:srgbClr val="C00026"/>
                 </a:solidFill>
                 <a:latin typeface="Verdana"/>
                 <a:ea typeface="Verdana"/>
-                <a:cs typeface="Verdana"/>
-              </a:rPr>
-              <a:t>Atividade prática</a:t>
-            </a:r>
-            <a:endParaRPr sz="3600" b="1" i="0" u="none" strike="noStrike" cap="none">
+                <a:cs typeface="DejaVu Sans"/>
+              </a:rPr>
+              <a:t>Semáforos</a:t>
+            </a:r>
+            <a:br>
+              <a:rPr strike="noStrike"/>
+            </a:br>
+            <a:br>
+              <a:rPr strike="noStrike"/>
+            </a:br>
+            <a:br>
+              <a:rPr strike="noStrike"/>
+            </a:br>
+            <a:endParaRPr/>
+          </a:p>
+        </p:txBody>
+      </p:sp>
+      <p:sp>
+        <p:nvSpPr>
+          <p:cNvPr id="5" name="TextShape 2" hidden="0"/>
+          <p:cNvSpPr>
+            <a:spLocks noGrp="1"/>
+          </p:cNvSpPr>
+          <p:nvPr isPhoto="0" userDrawn="0"/>
+        </p:nvSpPr>
+        <p:spPr bwMode="auto">
+          <a:xfrm flipH="0" flipV="0">
+            <a:off x="711315" y="1720330"/>
+            <a:ext cx="8226417" cy="4479147"/>
+          </a:xfrm>
+          <a:prstGeom prst="rect">
+            <a:avLst/>
+          </a:prstGeom>
+          <a:noFill/>
+          <a:ln>
+            <a:noFill/>
+          </a:ln>
+        </p:spPr>
+        <p:txBody>
+          <a:bodyPr lIns="89992" tIns="44995" rIns="89992" bIns="44995" anchor="t">
+            <a:spAutoFit/>
+          </a:bodyPr>
+          <a:lstStyle/>
+          <a:p>
+            <a:pPr algn="ctr">
+              <a:lnSpc>
+                <a:spcPct val="100000"/>
+              </a:lnSpc>
+              <a:spcBef>
+                <a:spcPts val="0"/>
+              </a:spcBef>
+              <a:spcAft>
+                <a:spcPts val="0"/>
+              </a:spcAft>
+              <a:defRPr/>
+            </a:pPr>
+            <a:r>
+              <a:rPr sz="2400" u="none">
+                <a:solidFill>
+                  <a:srgbClr val="000000"/>
+                </a:solidFill>
+                <a:latin typeface="Arial"/>
+                <a:ea typeface="Arial"/>
+                <a:cs typeface="Arial"/>
+              </a:rPr>
+              <a:t>"Inteiro especial que nunca fica negativo"</a:t>
+            </a:r>
+            <a:endParaRPr sz="2400" u="none">
               <a:solidFill>
-                <a:schemeClr val="dk1"/>
+                <a:srgbClr val="000000"/>
               </a:solidFill>
               <a:latin typeface="Arial"/>
               <a:ea typeface="Arial"/>
               <a:cs typeface="Arial"/>
             </a:endParaRPr>
           </a:p>
-        </p:txBody>
-      </p:sp>
-      <p:sp>
-        <p:nvSpPr>
-          <p:cNvPr id="5" name="Google Shape;348;p64" hidden="0"/>
-          <p:cNvSpPr/>
-          <p:nvPr isPhoto="0" userDrawn="0"/>
-        </p:nvSpPr>
-        <p:spPr bwMode="auto">
-          <a:xfrm>
-            <a:off x="161982" y="85666"/>
-            <a:ext cx="7227977" cy="351329"/>
-          </a:xfrm>
-          <a:prstGeom prst="rect">
-            <a:avLst/>
-          </a:prstGeom>
-          <a:noFill/>
-          <a:ln>
-            <a:noFill/>
-          </a:ln>
-        </p:spPr>
-        <p:txBody>
-          <a:bodyPr spcFirstLastPara="1" wrap="square" lIns="91422" tIns="91422" rIns="91422" bIns="91422" anchor="ctr" anchorCtr="0">
-            <a:noAutofit/>
-          </a:bodyPr>
-          <a:lstStyle/>
-          <a:p>
-            <a:pPr marL="0" lvl="0" indent="0" algn="l">
-              <a:spcBef>
-                <a:spcPts val="0"/>
-              </a:spcBef>
-              <a:spcAft>
-                <a:spcPts val="0"/>
-              </a:spcAft>
-              <a:buNone/>
-              <a:defRPr/>
-            </a:pPr>
-            <a:endParaRPr/>
-          </a:p>
-        </p:txBody>
-      </p:sp>
-      <p:sp>
-        <p:nvSpPr>
-          <p:cNvPr id="6" name="Google Shape;349;p64" hidden="0"/>
-          <p:cNvSpPr/>
-          <p:nvPr isPhoto="0" userDrawn="0"/>
-        </p:nvSpPr>
-        <p:spPr bwMode="auto">
-          <a:xfrm>
-            <a:off x="84227" y="6401828"/>
-            <a:ext cx="640392" cy="363930"/>
-          </a:xfrm>
-          <a:prstGeom prst="rect">
-            <a:avLst/>
-          </a:prstGeom>
-          <a:noFill/>
-          <a:ln>
-            <a:noFill/>
-          </a:ln>
-        </p:spPr>
-        <p:txBody>
-          <a:bodyPr spcFirstLastPara="1" wrap="square" lIns="90000" tIns="45000" rIns="90000" bIns="45000" anchor="ctr" anchorCtr="0">
-            <a:noAutofit/>
-          </a:bodyPr>
-          <a:lstStyle/>
-          <a:p>
-            <a:pPr marL="0" marR="0" lvl="0" indent="0" algn="r">
+          <a:p>
+            <a:pPr algn="ctr">
               <a:lnSpc>
                 <a:spcPct val="100000"/>
               </a:lnSpc>
@@ -1438,95 +1580,320 @@
               <a:spcAft>
                 <a:spcPts val="0"/>
               </a:spcAft>
-              <a:buNone/>
-              <a:defRPr/>
-            </a:pPr>
-            <a:fld id="{20AE92A9-7302-4F2C-6FC0-4F313B12798E}" type="slidenum">
-              <a:rPr lang="pt-BR" sz="1000" b="0" i="0" u="none" strike="noStrike" cap="none">
-                <a:solidFill>
-                  <a:srgbClr val="B2B2B2"/>
-                </a:solidFill>
-                <a:latin typeface="Verdana"/>
-                <a:ea typeface="Verdana"/>
-                <a:cs typeface="Verdana"/>
-              </a:rPr>
-              <a:t/>
-            </a:fld>
-            <a:endParaRPr sz="1000" b="0" i="0" u="none" strike="noStrike" cap="none">
+              <a:defRPr/>
+            </a:pPr>
+            <a:endParaRPr sz="2400" u="none">
               <a:solidFill>
-                <a:schemeClr val="dk1"/>
+                <a:srgbClr val="000000"/>
               </a:solidFill>
               <a:latin typeface="Arial"/>
               <a:ea typeface="Arial"/>
               <a:cs typeface="Arial"/>
             </a:endParaRPr>
           </a:p>
-        </p:txBody>
-      </p:sp>
-      <p:sp>
-        <p:nvSpPr>
-          <p:cNvPr id="7" name="" hidden="0"/>
-          <p:cNvSpPr/>
-          <p:nvPr isPhoto="0" userDrawn="0"/>
-        </p:nvSpPr>
-        <p:spPr bwMode="auto">
-          <a:xfrm flipH="0" flipV="0">
-            <a:off x="724623" y="4088156"/>
-            <a:ext cx="8137407" cy="363416"/>
-          </a:xfrm>
-          <a:prstGeom prst="rect">
-            <a:avLst/>
-          </a:prstGeom>
-          <a:noFill/>
-        </p:spPr>
-        <p:txBody>
-          <a:bodyPr vertOverflow="overflow" horzOverflow="clip" vert="horz" wrap="square" lIns="91440" tIns="45720" rIns="91440" bIns="45720" numCol="1" spcCol="0" rtlCol="0" fromWordArt="0" anchor="t" anchorCtr="0" forceAA="0" upright="0" compatLnSpc="0">
-            <a:noAutofit/>
-          </a:bodyPr>
-          <a:p>
-            <a:pPr>
-              <a:defRPr/>
-            </a:pPr>
-            <a:r>
-              <a:rPr sz="2000" b="1"/>
-              <a:t>Semáforos no Papel (20 minutos)</a:t>
-            </a:r>
-            <a:endParaRPr sz="2000" b="1"/>
-          </a:p>
-          <a:p>
-            <a:pPr>
-              <a:defRPr/>
-            </a:pPr>
-            <a:endParaRPr sz="2000"/>
-          </a:p>
-          <a:p>
-            <a:pPr marL="305892" indent="-305892">
-              <a:buAutoNum type="arabicPeriod"/>
-              <a:defRPr/>
-            </a:pPr>
-            <a:r>
-              <a:rPr sz="2000" b="0"/>
-              <a:t>Rendez-vouz</a:t>
-            </a:r>
-            <a:endParaRPr sz="2000" b="0"/>
-          </a:p>
-          <a:p>
-            <a:pPr marL="305892" indent="-305892">
-              <a:buAutoNum type="arabicPeriod"/>
-              <a:defRPr/>
-            </a:pPr>
-            <a:r>
-              <a:rPr sz="2000" b="0"/>
-              <a:t>Ordens de execução válida </a:t>
-            </a:r>
-            <a:endParaRPr sz="2000" b="0"/>
-          </a:p>
-          <a:p>
-            <a:pPr marL="305892" indent="-305892">
-              <a:buAutoNum type="arabicPeriod"/>
-              <a:defRPr/>
-            </a:pPr>
-            <a:endParaRPr sz="2000" b="0"/>
+          <a:p>
+            <a:pPr algn="l">
+              <a:lnSpc>
+                <a:spcPct val="100000"/>
+              </a:lnSpc>
+              <a:spcBef>
+                <a:spcPts val="0"/>
+              </a:spcBef>
+              <a:spcAft>
+                <a:spcPts val="0"/>
+              </a:spcAft>
+              <a:defRPr/>
+            </a:pPr>
+            <a:r>
+              <a:rPr sz="2400" u="none">
+                <a:solidFill>
+                  <a:srgbClr val="000000"/>
+                </a:solidFill>
+                <a:latin typeface="Arial"/>
+                <a:ea typeface="Arial"/>
+                <a:cs typeface="Arial"/>
+              </a:rPr>
+              <a:t>Só pode ser manipulado por duas operações </a:t>
+            </a:r>
+            <a:r>
+              <a:rPr sz="2400" u="sng">
+                <a:solidFill>
+                  <a:srgbClr val="000000"/>
+                </a:solidFill>
+                <a:latin typeface="Arial"/>
+                <a:ea typeface="Arial"/>
+                <a:cs typeface="Arial"/>
+              </a:rPr>
+              <a:t>atômicas</a:t>
+            </a:r>
+            <a:endParaRPr sz="2400" u="sng">
+              <a:solidFill>
+                <a:srgbClr val="000000"/>
+              </a:solidFill>
+              <a:latin typeface="Arial"/>
+              <a:ea typeface="Arial"/>
+              <a:cs typeface="Arial"/>
+            </a:endParaRPr>
+          </a:p>
+          <a:p>
+            <a:pPr algn="l">
+              <a:lnSpc>
+                <a:spcPct val="100000"/>
+              </a:lnSpc>
+              <a:spcBef>
+                <a:spcPts val="0"/>
+              </a:spcBef>
+              <a:spcAft>
+                <a:spcPts val="0"/>
+              </a:spcAft>
+              <a:defRPr/>
+            </a:pPr>
+            <a:endParaRPr sz="2400" u="sng">
+              <a:solidFill>
+                <a:srgbClr val="000000"/>
+              </a:solidFill>
+              <a:latin typeface="Arial"/>
+              <a:ea typeface="Arial"/>
+              <a:cs typeface="Arial"/>
+            </a:endParaRPr>
+          </a:p>
+          <a:p>
+            <a:pPr algn="l">
+              <a:lnSpc>
+                <a:spcPct val="100000"/>
+              </a:lnSpc>
+              <a:spcBef>
+                <a:spcPts val="0"/>
+              </a:spcBef>
+              <a:spcAft>
+                <a:spcPts val="0"/>
+              </a:spcAft>
+              <a:defRPr/>
+            </a:pPr>
+            <a:r>
+              <a:rPr sz="2400" u="sng">
+                <a:solidFill>
+                  <a:srgbClr val="000000"/>
+                </a:solidFill>
+                <a:latin typeface="Arial"/>
+                <a:ea typeface="Arial"/>
+                <a:cs typeface="Arial"/>
+              </a:rPr>
+              <a:t>POST</a:t>
+            </a:r>
+            <a:r>
+              <a:rPr sz="2400" u="none">
+                <a:solidFill>
+                  <a:srgbClr val="000000"/>
+                </a:solidFill>
+                <a:latin typeface="Arial"/>
+                <a:ea typeface="Arial"/>
+                <a:cs typeface="Arial"/>
+              </a:rPr>
+              <a:t>:</a:t>
+            </a:r>
+            <a:endParaRPr sz="2400" u="none">
+              <a:solidFill>
+                <a:srgbClr val="000000"/>
+              </a:solidFill>
+              <a:latin typeface="Arial"/>
+              <a:ea typeface="Arial"/>
+              <a:cs typeface="Arial"/>
+            </a:endParaRPr>
+          </a:p>
+          <a:p>
+            <a:pPr algn="l">
+              <a:lnSpc>
+                <a:spcPct val="100000"/>
+              </a:lnSpc>
+              <a:spcBef>
+                <a:spcPts val="0"/>
+              </a:spcBef>
+              <a:spcAft>
+                <a:spcPts val="0"/>
+              </a:spcAft>
+              <a:defRPr/>
+            </a:pPr>
+            <a:endParaRPr sz="2400" u="none">
+              <a:solidFill>
+                <a:srgbClr val="000000"/>
+              </a:solidFill>
+              <a:latin typeface="Arial"/>
+              <a:ea typeface="Arial"/>
+              <a:cs typeface="Arial"/>
+            </a:endParaRPr>
+          </a:p>
+          <a:p>
+            <a:pPr marL="750015" lvl="1" indent="-349965" algn="l">
+              <a:lnSpc>
+                <a:spcPct val="100000"/>
+              </a:lnSpc>
+              <a:spcBef>
+                <a:spcPts val="0"/>
+              </a:spcBef>
+              <a:spcAft>
+                <a:spcPts val="0"/>
+              </a:spcAft>
+              <a:buFont typeface="Arial"/>
+              <a:buChar char="•"/>
+              <a:defRPr/>
+            </a:pPr>
+            <a:r>
+              <a:rPr sz="2400" u="none">
+                <a:solidFill>
+                  <a:srgbClr val="000000"/>
+                </a:solidFill>
+                <a:latin typeface="Arial"/>
+                <a:ea typeface="Arial"/>
+                <a:cs typeface="Arial"/>
+              </a:rPr>
+              <a:t>Aumenta o valor em 1</a:t>
+            </a:r>
+            <a:endParaRPr sz="2400" strike="noStrike">
+              <a:latin typeface="Arial"/>
+              <a:ea typeface="Arial"/>
+              <a:cs typeface="Arial"/>
+            </a:endParaRPr>
+          </a:p>
+          <a:p>
+            <a:pPr marL="750015" lvl="1" indent="-349965" algn="l">
+              <a:lnSpc>
+                <a:spcPct val="100000"/>
+              </a:lnSpc>
+              <a:spcBef>
+                <a:spcPts val="0"/>
+              </a:spcBef>
+              <a:spcAft>
+                <a:spcPts val="0"/>
+              </a:spcAft>
+              <a:buFont typeface="Arial"/>
+              <a:buChar char="•"/>
+              <a:defRPr/>
+            </a:pPr>
+            <a:endParaRPr sz="2400" strike="noStrike">
+              <a:latin typeface="Arial"/>
+              <a:ea typeface="Arial"/>
+              <a:cs typeface="Arial"/>
+            </a:endParaRPr>
+          </a:p>
+          <a:p>
+            <a:pPr lvl="1" algn="l">
+              <a:lnSpc>
+                <a:spcPct val="100000"/>
+              </a:lnSpc>
+              <a:spcBef>
+                <a:spcPts val="0"/>
+              </a:spcBef>
+              <a:spcAft>
+                <a:spcPts val="0"/>
+              </a:spcAft>
+              <a:defRPr/>
+            </a:pPr>
+            <a:r>
+              <a:rPr sz="2400" u="sng" strike="noStrike">
+                <a:latin typeface="Arial"/>
+                <a:ea typeface="Arial"/>
+                <a:cs typeface="Arial"/>
+              </a:rPr>
+              <a:t>WAIT:</a:t>
+            </a:r>
+            <a:endParaRPr sz="2400" u="sng" strike="noStrike">
+              <a:latin typeface="Arial"/>
+              <a:ea typeface="Arial"/>
+              <a:cs typeface="Arial"/>
+            </a:endParaRPr>
+          </a:p>
+          <a:p>
+            <a:pPr lvl="1" algn="l">
+              <a:lnSpc>
+                <a:spcPct val="100000"/>
+              </a:lnSpc>
+              <a:spcBef>
+                <a:spcPts val="0"/>
+              </a:spcBef>
+              <a:spcAft>
+                <a:spcPts val="0"/>
+              </a:spcAft>
+              <a:defRPr/>
+            </a:pPr>
+            <a:endParaRPr sz="2400" u="none">
+              <a:solidFill>
+                <a:srgbClr val="000000"/>
+              </a:solidFill>
+              <a:latin typeface="Arial"/>
+              <a:ea typeface="Arial"/>
+              <a:cs typeface="Arial"/>
+            </a:endParaRPr>
+          </a:p>
+          <a:p>
+            <a:pPr marL="750015" lvl="2" indent="-349965" algn="l">
+              <a:lnSpc>
+                <a:spcPct val="100000"/>
+              </a:lnSpc>
+              <a:spcBef>
+                <a:spcPts val="0"/>
+              </a:spcBef>
+              <a:spcAft>
+                <a:spcPts val="0"/>
+              </a:spcAft>
+              <a:buFont typeface="Arial"/>
+              <a:buChar char="•"/>
+              <a:defRPr/>
+            </a:pPr>
+            <a:r>
+              <a:rPr sz="2400" u="none">
+                <a:solidFill>
+                  <a:srgbClr val="000000"/>
+                </a:solidFill>
+                <a:latin typeface="Arial"/>
+                <a:ea typeface="Arial"/>
+                <a:cs typeface="Arial"/>
+              </a:rPr>
+              <a:t>Se for positivo, diminui em 1</a:t>
+            </a:r>
+            <a:endParaRPr sz="2400" u="none">
+              <a:solidFill>
+                <a:srgbClr val="000000"/>
+              </a:solidFill>
+              <a:latin typeface="Arial"/>
+              <a:ea typeface="Arial"/>
+              <a:cs typeface="Arial"/>
+            </a:endParaRPr>
+          </a:p>
+          <a:p>
+            <a:pPr marL="750015" lvl="2" indent="-349965" algn="l">
+              <a:lnSpc>
+                <a:spcPct val="100000"/>
+              </a:lnSpc>
+              <a:spcBef>
+                <a:spcPts val="0"/>
+              </a:spcBef>
+              <a:spcAft>
+                <a:spcPts val="0"/>
+              </a:spcAft>
+              <a:buFont typeface="Arial"/>
+              <a:buChar char="•"/>
+              <a:defRPr/>
+            </a:pPr>
+            <a:r>
+              <a:rPr sz="2400" u="none">
+                <a:solidFill>
+                  <a:srgbClr val="000000"/>
+                </a:solidFill>
+                <a:latin typeface="Arial"/>
+                <a:ea typeface="Arial"/>
+                <a:cs typeface="Arial"/>
+              </a:rPr>
+              <a:t>Se for 0 fica esperando;</a:t>
+            </a:r>
+            <a:endParaRPr sz="2400" u="none">
+              <a:solidFill>
+                <a:srgbClr val="000000"/>
+              </a:solidFill>
+              <a:latin typeface="Arial"/>
+              <a:ea typeface="Arial"/>
+              <a:cs typeface="Arial"/>
+            </a:endParaRPr>
           </a:p>
         </p:txBody>
       </p:sp>
@@ -1571,8 +1938,8 @@
         </p:nvSpPr>
         <p:spPr bwMode="auto">
           <a:xfrm>
-            <a:off x="457164" y="2920461"/>
-            <a:ext cx="8227993" cy="618075"/>
+            <a:off x="457164" y="2920462"/>
+            <a:ext cx="8227994" cy="618075"/>
           </a:xfrm>
           <a:prstGeom prst="rect">
             <a:avLst/>
@@ -1631,8 +1998,8 @@
         </p:nvSpPr>
         <p:spPr bwMode="auto">
           <a:xfrm>
-            <a:off x="161982" y="85665"/>
-            <a:ext cx="7227976" cy="351328"/>
+            <a:off x="161982" y="85666"/>
+            <a:ext cx="7227977" cy="351329"/>
           </a:xfrm>
           <a:prstGeom prst="rect">
             <a:avLst/>
@@ -1670,8 +2037,8 @@
         </p:nvSpPr>
         <p:spPr bwMode="auto">
           <a:xfrm>
-            <a:off x="84226" y="6401827"/>
-            <a:ext cx="640391" cy="363929"/>
+            <a:off x="84227" y="6401828"/>
+            <a:ext cx="640392" cy="363930"/>
           </a:xfrm>
           <a:prstGeom prst="rect">
             <a:avLst/>
@@ -1700,7 +2067,7 @@
               <a:buNone/>
               <a:defRPr/>
             </a:pPr>
-            <a:fld id="{42202F8E-BB4A-C755-2D1E-AB64B63A7CB2}" type="slidenum">
+            <a:fld id="{20AE92A9-7302-4F2C-6FC0-4F313B12798E}" type="slidenum">
               <a:rPr lang="pt-BR" sz="1000" b="0" i="0" u="none" strike="noStrike" cap="none">
                 <a:solidFill>
                   <a:srgbClr val="B2B2B2"/>
@@ -1730,8 +2097,8 @@
         </p:nvSpPr>
         <p:spPr bwMode="auto">
           <a:xfrm flipH="0" flipV="0">
-            <a:off x="724622" y="4088155"/>
-            <a:ext cx="8137406" cy="363415"/>
+            <a:off x="724623" y="4088156"/>
+            <a:ext cx="8137407" cy="363416"/>
           </a:xfrm>
           <a:prstGeom prst="rect">
             <a:avLst/>
@@ -1748,7 +2115,7 @@
             </a:pPr>
             <a:r>
               <a:rPr sz="2000" b="1"/>
-              <a:t>Semáforos POSIX (45 minutos)</a:t>
+              <a:t>Semáforos no Papel (20 minutos)</a:t>
             </a:r>
             <a:endParaRPr sz="2000" b="1"/>
           </a:p>
@@ -1776,7 +2143,7 @@
             </a:pPr>
             <a:r>
               <a:rPr sz="2000" b="0"/>
-              <a:t>Implementação usando semáforos e pthreads</a:t>
+              <a:t>Ordens de execução válida </a:t>
             </a:r>
             <a:endParaRPr sz="2000" b="0"/>
           </a:p>
@@ -1806,6 +2173,265 @@
 </file>
 
 <file path=ppt/slides/slide13.xml><?xml version="1.0" encoding="utf-8"?>
+<p:sld xmlns:a="http://schemas.openxmlformats.org/drawingml/2006/main" xmlns:r="http://schemas.openxmlformats.org/officeDocument/2006/relationships" xmlns:p="http://schemas.openxmlformats.org/presentationml/2006/main" xmlns:m="http://schemas.openxmlformats.org/officeDocument/2006/math" xmlns:w="http://schemas.openxmlformats.org/wordprocessingml/2006/main" showMasterPhAnim="0" show="1">
+  <p:cSld name="">
+    <p:spTree>
+      <p:nvGrpSpPr>
+        <p:cNvPr id="1" name="" hidden="0"/>
+        <p:cNvGrpSpPr/>
+        <p:nvPr isPhoto="0" userDrawn="0"/>
+      </p:nvGrpSpPr>
+      <p:grpSpPr bwMode="auto">
+        <a:xfrm>
+          <a:off x="0" y="0"/>
+          <a:ext cx="0" cy="0"/>
+          <a:chOff x="0" y="0"/>
+          <a:chExt cx="0" cy="0"/>
+        </a:xfrm>
+      </p:grpSpPr>
+      <p:sp>
+        <p:nvSpPr>
+          <p:cNvPr id="4" name="Google Shape;347;p64" hidden="0"/>
+          <p:cNvSpPr/>
+          <p:nvPr isPhoto="0" userDrawn="0"/>
+        </p:nvSpPr>
+        <p:spPr bwMode="auto">
+          <a:xfrm>
+            <a:off x="457164" y="2920461"/>
+            <a:ext cx="8227993" cy="618075"/>
+          </a:xfrm>
+          <a:prstGeom prst="rect">
+            <a:avLst/>
+          </a:prstGeom>
+          <a:noFill/>
+          <a:ln>
+            <a:noFill/>
+          </a:ln>
+        </p:spPr>
+        <p:txBody>
+          <a:bodyPr spcFirstLastPara="1" wrap="square" lIns="90000" tIns="45000" rIns="90000" bIns="45000" anchor="t" anchorCtr="0">
+            <a:noAutofit/>
+          </a:bodyPr>
+          <a:lstStyle/>
+          <a:p>
+            <a:pPr marL="0" marR="0" lvl="0" indent="0" algn="ctr">
+              <a:lnSpc>
+                <a:spcPct val="100000"/>
+              </a:lnSpc>
+              <a:spcBef>
+                <a:spcPts val="0"/>
+              </a:spcBef>
+              <a:spcAft>
+                <a:spcPts val="0"/>
+              </a:spcAft>
+              <a:buNone/>
+              <a:defRPr/>
+            </a:pPr>
+            <a:r>
+              <a:rPr lang="pt-BR" sz="3600" b="1" i="0" u="none" strike="noStrike" cap="none">
+                <a:solidFill>
+                  <a:srgbClr val="C00026"/>
+                </a:solidFill>
+                <a:latin typeface="Verdana"/>
+                <a:ea typeface="Verdana"/>
+                <a:cs typeface="Verdana"/>
+              </a:rPr>
+              <a:t>Atividade prática</a:t>
+            </a:r>
+            <a:endParaRPr sz="3600" b="1" i="0" u="none" strike="noStrike" cap="none">
+              <a:solidFill>
+                <a:schemeClr val="dk1"/>
+              </a:solidFill>
+              <a:latin typeface="Arial"/>
+              <a:ea typeface="Arial"/>
+              <a:cs typeface="Arial"/>
+            </a:endParaRPr>
+          </a:p>
+        </p:txBody>
+      </p:sp>
+      <p:sp>
+        <p:nvSpPr>
+          <p:cNvPr id="5" name="Google Shape;348;p64" hidden="0"/>
+          <p:cNvSpPr/>
+          <p:nvPr isPhoto="0" userDrawn="0"/>
+        </p:nvSpPr>
+        <p:spPr bwMode="auto">
+          <a:xfrm>
+            <a:off x="161982" y="85665"/>
+            <a:ext cx="7227976" cy="351328"/>
+          </a:xfrm>
+          <a:prstGeom prst="rect">
+            <a:avLst/>
+          </a:prstGeom>
+          <a:noFill/>
+          <a:ln>
+            <a:noFill/>
+          </a:ln>
+        </p:spPr>
+        <p:txBody>
+          <a:bodyPr spcFirstLastPara="1" wrap="square" lIns="91422" tIns="91422" rIns="91422" bIns="91422" anchor="ctr" anchorCtr="0">
+            <a:noAutofit/>
+          </a:bodyPr>
+          <a:lstStyle/>
+          <a:p>
+            <a:pPr marL="0" lvl="0" indent="0" algn="l">
+              <a:spcBef>
+                <a:spcPts val="0"/>
+              </a:spcBef>
+              <a:spcAft>
+                <a:spcPts val="0"/>
+              </a:spcAft>
+              <a:buNone/>
+              <a:defRPr/>
+            </a:pPr>
+            <a:endParaRPr/>
+          </a:p>
+        </p:txBody>
+      </p:sp>
+      <p:sp>
+        <p:nvSpPr>
+          <p:cNvPr id="6" name="Google Shape;349;p64" hidden="0"/>
+          <p:cNvSpPr/>
+          <p:nvPr isPhoto="0" userDrawn="0"/>
+        </p:nvSpPr>
+        <p:spPr bwMode="auto">
+          <a:xfrm>
+            <a:off x="84226" y="6401827"/>
+            <a:ext cx="640391" cy="363929"/>
+          </a:xfrm>
+          <a:prstGeom prst="rect">
+            <a:avLst/>
+          </a:prstGeom>
+          <a:noFill/>
+          <a:ln>
+            <a:noFill/>
+          </a:ln>
+        </p:spPr>
+        <p:txBody>
+          <a:bodyPr spcFirstLastPara="1" wrap="square" lIns="90000" tIns="45000" rIns="90000" bIns="45000" anchor="ctr" anchorCtr="0">
+            <a:noAutofit/>
+          </a:bodyPr>
+          <a:lstStyle/>
+          <a:p>
+            <a:pPr marL="0" marR="0" lvl="0" indent="0" algn="r">
+              <a:lnSpc>
+                <a:spcPct val="100000"/>
+              </a:lnSpc>
+              <a:spcBef>
+                <a:spcPts val="0"/>
+              </a:spcBef>
+              <a:spcAft>
+                <a:spcPts val="0"/>
+              </a:spcAft>
+              <a:buNone/>
+              <a:defRPr/>
+            </a:pPr>
+            <a:fld id="{42202F8E-BB4A-C755-2D1E-AB64B63A7CB2}" type="slidenum">
+              <a:rPr lang="pt-BR" sz="1000" b="0" i="0" u="none" strike="noStrike" cap="none">
+                <a:solidFill>
+                  <a:srgbClr val="B2B2B2"/>
+                </a:solidFill>
+                <a:latin typeface="Verdana"/>
+                <a:ea typeface="Verdana"/>
+                <a:cs typeface="Verdana"/>
+              </a:rPr>
+              <a:t/>
+            </a:fld>
+            <a:endParaRPr sz="1000" b="0" i="0" u="none" strike="noStrike" cap="none">
+              <a:solidFill>
+                <a:schemeClr val="dk1"/>
+              </a:solidFill>
+              <a:latin typeface="Arial"/>
+              <a:ea typeface="Arial"/>
+              <a:cs typeface="Arial"/>
+            </a:endParaRPr>
+          </a:p>
+        </p:txBody>
+      </p:sp>
+      <p:sp>
+        <p:nvSpPr>
+          <p:cNvPr id="7" name="" hidden="0"/>
+          <p:cNvSpPr/>
+          <p:nvPr isPhoto="0" userDrawn="0"/>
+        </p:nvSpPr>
+        <p:spPr bwMode="auto">
+          <a:xfrm flipH="0" flipV="0">
+            <a:off x="724622" y="4088154"/>
+            <a:ext cx="8137406" cy="363415"/>
+          </a:xfrm>
+          <a:prstGeom prst="rect">
+            <a:avLst/>
+          </a:prstGeom>
+          <a:noFill/>
+        </p:spPr>
+        <p:txBody>
+          <a:bodyPr vertOverflow="overflow" horzOverflow="clip" vert="horz" wrap="square" lIns="91440" tIns="45720" rIns="91440" bIns="45720" numCol="1" spcCol="0" rtlCol="0" fromWordArt="0" anchor="t" anchorCtr="0" forceAA="0" upright="0" compatLnSpc="0">
+            <a:noAutofit/>
+          </a:bodyPr>
+          <a:p>
+            <a:pPr>
+              <a:defRPr/>
+            </a:pPr>
+            <a:r>
+              <a:rPr sz="2000" b="1"/>
+              <a:t>Semáforos POSIX (45 minutos)</a:t>
+            </a:r>
+            <a:endParaRPr sz="2000" b="1"/>
+          </a:p>
+          <a:p>
+            <a:pPr>
+              <a:defRPr/>
+            </a:pPr>
+            <a:endParaRPr sz="2000"/>
+          </a:p>
+          <a:p>
+            <a:pPr marL="305892" indent="-305892">
+              <a:buAutoNum type="arabicPeriod"/>
+              <a:defRPr/>
+            </a:pPr>
+            <a:r>
+              <a:rPr sz="2000" b="0"/>
+              <a:t>Rendez-vouz</a:t>
+            </a:r>
+            <a:endParaRPr sz="2000" b="0"/>
+          </a:p>
+          <a:p>
+            <a:pPr marL="305892" indent="-305892">
+              <a:buAutoNum type="arabicPeriod"/>
+              <a:defRPr/>
+            </a:pPr>
+            <a:r>
+              <a:rPr sz="2000" b="0"/>
+              <a:t>Implementação usando semáforos e pthreads</a:t>
+            </a:r>
+            <a:endParaRPr sz="2000" b="0"/>
+          </a:p>
+          <a:p>
+            <a:pPr marL="305892" indent="-305892">
+              <a:buAutoNum type="arabicPeriod"/>
+              <a:defRPr/>
+            </a:pPr>
+            <a:endParaRPr sz="2000" b="0"/>
+          </a:p>
+        </p:txBody>
+      </p:sp>
+    </p:spTree>
+  </p:cSld>
+  <p:clrMapOvr>
+    <a:masterClrMapping/>
+  </p:clrMapOvr>
+  <mc:AlternateContent xmlns:mc="http://schemas.openxmlformats.org/markup-compatibility/2006">
+    <mc:Choice xmlns:p14="http://schemas.microsoft.com/office/powerpoint/2010/main" Requires="p14">
+      <p:transition p14:dur="2000" advClick="1"/>
+    </mc:Choice>
+    <mc:Fallback>
+      <p:transition advClick="1"/>
+    </mc:Fallback>
+  </mc:AlternateContent>
+</p:sld>
+</file>
+
+<file path=ppt/slides/slide14.xml><?xml version="1.0" encoding="utf-8"?>
 <p:sld xmlns:a="http://schemas.openxmlformats.org/drawingml/2006/main" xmlns:r="http://schemas.openxmlformats.org/officeDocument/2006/relationships" xmlns:p="http://schemas.openxmlformats.org/presentationml/2006/main" xmlns:m="http://schemas.openxmlformats.org/officeDocument/2006/math" xmlns:w="http://schemas.openxmlformats.org/wordprocessingml/2006/main" showMasterPhAnim="0" show="1">
   <p:cSld name="page27">
     <p:bg>
@@ -1967,7 +2593,7 @@
 
 <file path=ppt/slides/slide2.xml><?xml version="1.0" encoding="utf-8"?>
 <p:sld xmlns:a="http://schemas.openxmlformats.org/drawingml/2006/main" xmlns:r="http://schemas.openxmlformats.org/officeDocument/2006/relationships" xmlns:p="http://schemas.openxmlformats.org/presentationml/2006/main" xmlns:m="http://schemas.openxmlformats.org/officeDocument/2006/math" xmlns:w="http://schemas.openxmlformats.org/wordprocessingml/2006/main" showMasterPhAnim="0" show="1">
-  <p:cSld name="page2">
+  <p:cSld name="">
     <p:spTree>
       <p:nvGrpSpPr>
         <p:cNvPr id="1" name="" hidden="0"/>
@@ -1984,16 +2610,14 @@
       </p:grpSpPr>
       <p:sp>
         <p:nvSpPr>
-          <p:cNvPr id="4" name="CustomShape 1" hidden="0"/>
-          <p:cNvSpPr>
-            <a:spLocks noGrp="1"/>
-          </p:cNvSpPr>
-          <p:nvPr isPhoto="0" userDrawn="0"/>
-        </p:nvSpPr>
-        <p:spPr bwMode="auto">
-          <a:xfrm flipH="0" flipV="0">
-            <a:off x="457171" y="781150"/>
-            <a:ext cx="8224761" cy="614841"/>
+          <p:cNvPr id="4" name="Google Shape;347;p64" hidden="0"/>
+          <p:cNvSpPr/>
+          <p:nvPr isPhoto="0" userDrawn="0"/>
+        </p:nvSpPr>
+        <p:spPr bwMode="auto">
+          <a:xfrm>
+            <a:off x="457164" y="2920461"/>
+            <a:ext cx="8227993" cy="618075"/>
           </a:xfrm>
           <a:prstGeom prst="rect">
             <a:avLst/>
@@ -2004,12 +2628,12 @@
           </a:ln>
         </p:spPr>
         <p:txBody>
-          <a:bodyPr lIns="89993" tIns="44996" rIns="89993" bIns="44996" anchor="t">
-            <a:normAutofit/>
+          <a:bodyPr spcFirstLastPara="1" wrap="square" lIns="90000" tIns="45000" rIns="90000" bIns="45000" anchor="t" anchorCtr="0">
+            <a:noAutofit/>
           </a:bodyPr>
           <a:lstStyle/>
           <a:p>
-            <a:pPr algn="l">
+            <a:pPr marL="0" marR="0" lvl="0" indent="0" algn="ctr">
               <a:lnSpc>
                 <a:spcPct val="100000"/>
               </a:lnSpc>
@@ -2019,35 +2643,41 @@
               <a:spcAft>
                 <a:spcPts val="0"/>
               </a:spcAft>
-              <a:defRPr/>
-            </a:pPr>
-            <a:r>
-              <a:rPr sz="3200" u="none">
+              <a:buNone/>
+              <a:defRPr/>
+            </a:pPr>
+            <a:r>
+              <a:rPr lang="pt-BR" sz="3600" b="1" i="0" u="none" strike="noStrike" cap="none">
                 <a:solidFill>
                   <a:srgbClr val="C00026"/>
                 </a:solidFill>
                 <a:latin typeface="Verdana"/>
                 <a:ea typeface="Verdana"/>
-                <a:cs typeface="DejaVu Sans"/>
-              </a:rPr>
-              <a:t>Processos e threads</a:t>
-            </a:r>
-            <a:endParaRPr/>
-          </a:p>
-        </p:txBody>
-      </p:sp>
-      <p:sp>
-        <p:nvSpPr>
-          <p:cNvPr id="5" name="CustomShape 2" hidden="0"/>
-          <p:cNvSpPr>
-            <a:spLocks noGrp="1"/>
-          </p:cNvSpPr>
-          <p:nvPr isPhoto="0" userDrawn="0"/>
-        </p:nvSpPr>
-        <p:spPr bwMode="auto">
-          <a:xfrm flipH="0" flipV="0">
-            <a:off x="161989" y="85674"/>
-            <a:ext cx="7224744" cy="348098"/>
+                <a:cs typeface="Verdana"/>
+              </a:rPr>
+              <a:t>Avaliação Docente</a:t>
+            </a:r>
+            <a:endParaRPr sz="3600" b="1" i="0" u="none" strike="noStrike" cap="none">
+              <a:solidFill>
+                <a:schemeClr val="dk1"/>
+              </a:solidFill>
+              <a:latin typeface="Arial"/>
+              <a:ea typeface="Arial"/>
+              <a:cs typeface="Arial"/>
+            </a:endParaRPr>
+          </a:p>
+        </p:txBody>
+      </p:sp>
+      <p:sp>
+        <p:nvSpPr>
+          <p:cNvPr id="5" name="Google Shape;348;p64" hidden="0"/>
+          <p:cNvSpPr/>
+          <p:nvPr isPhoto="0" userDrawn="0"/>
+        </p:nvSpPr>
+        <p:spPr bwMode="auto">
+          <a:xfrm>
+            <a:off x="161982" y="85665"/>
+            <a:ext cx="7227976" cy="351328"/>
           </a:xfrm>
           <a:prstGeom prst="rect">
             <a:avLst/>
@@ -2058,43 +2688,51 @@
           </a:ln>
         </p:spPr>
         <p:txBody>
-          <a:bodyPr lIns="89993" tIns="44996" rIns="89993" bIns="44996" anchor="t"/>
-          <a:p>
-            <a:pPr>
-              <a:defRPr/>
-            </a:pPr>
-            <a:endParaRPr/>
-          </a:p>
-        </p:txBody>
-      </p:sp>
-      <p:sp>
-        <p:nvSpPr>
-          <p:cNvPr id="6" name="CustomShape 3" hidden="0"/>
-          <p:cNvSpPr>
-            <a:spLocks noGrp="1"/>
-          </p:cNvSpPr>
-          <p:nvPr isPhoto="0" userDrawn="0"/>
-        </p:nvSpPr>
-        <p:spPr bwMode="auto">
-          <a:xfrm flipH="0" flipV="0">
-            <a:off x="84234" y="6401836"/>
-            <a:ext cx="637159" cy="360697"/>
-          </a:xfrm>
-          <a:prstGeom prst="rect">
-            <a:avLst/>
-          </a:prstGeom>
-          <a:noFill/>
-          <a:ln>
-            <a:noFill/>
-          </a:ln>
-        </p:spPr>
-        <p:txBody>
-          <a:bodyPr lIns="89993" tIns="44996" rIns="89993" bIns="44996" anchor="ctr">
-            <a:normAutofit/>
+          <a:bodyPr spcFirstLastPara="1" wrap="square" lIns="91422" tIns="91422" rIns="91422" bIns="91422" anchor="ctr" anchorCtr="0">
+            <a:noAutofit/>
           </a:bodyPr>
           <a:lstStyle/>
           <a:p>
-            <a:pPr algn="r">
+            <a:pPr marL="0" lvl="0" indent="0" algn="l">
+              <a:spcBef>
+                <a:spcPts val="0"/>
+              </a:spcBef>
+              <a:spcAft>
+                <a:spcPts val="0"/>
+              </a:spcAft>
+              <a:buNone/>
+              <a:defRPr/>
+            </a:pPr>
+            <a:endParaRPr/>
+          </a:p>
+        </p:txBody>
+      </p:sp>
+      <p:sp>
+        <p:nvSpPr>
+          <p:cNvPr id="6" name="Google Shape;349;p64" hidden="0"/>
+          <p:cNvSpPr/>
+          <p:nvPr isPhoto="0" userDrawn="0"/>
+        </p:nvSpPr>
+        <p:spPr bwMode="auto">
+          <a:xfrm>
+            <a:off x="84226" y="6401827"/>
+            <a:ext cx="640391" cy="363929"/>
+          </a:xfrm>
+          <a:prstGeom prst="rect">
+            <a:avLst/>
+          </a:prstGeom>
+          <a:noFill/>
+          <a:ln>
+            <a:noFill/>
+          </a:ln>
+        </p:spPr>
+        <p:txBody>
+          <a:bodyPr spcFirstLastPara="1" wrap="square" lIns="90000" tIns="45000" rIns="90000" bIns="45000" anchor="ctr" anchorCtr="0">
+            <a:noAutofit/>
+          </a:bodyPr>
+          <a:lstStyle/>
+          <a:p>
+            <a:pPr marL="0" marR="0" lvl="0" indent="0" algn="r">
               <a:lnSpc>
                 <a:spcPct val="100000"/>
               </a:lnSpc>
@@ -2104,42 +2742,59 @@
               <a:spcAft>
                 <a:spcPts val="0"/>
               </a:spcAft>
-              <a:defRPr/>
-            </a:pPr>
-            <a:fld id="{5CC2A059-B141-45A7-B910-B096D6D06820}" type="slidenum">
-              <a:rPr/>
+              <a:buNone/>
+              <a:defRPr/>
+            </a:pPr>
+            <a:fld id="{04F23715-ABC4-3D49-00E9-A12FA9639054}" type="slidenum">
+              <a:rPr lang="pt-BR" sz="1000" b="0" i="0" u="none" strike="noStrike" cap="none">
+                <a:solidFill>
+                  <a:srgbClr val="B2B2B2"/>
+                </a:solidFill>
+                <a:latin typeface="Verdana"/>
+                <a:ea typeface="Verdana"/>
+                <a:cs typeface="Verdana"/>
+              </a:rPr>
               <a:t/>
             </a:fld>
-            <a:endParaRPr/>
-          </a:p>
-        </p:txBody>
-      </p:sp>
-      <p:pic>
-        <p:nvPicPr>
-          <p:cNvPr id="7" name="Imagem 5" hidden="0"/>
-          <p:cNvPicPr/>
-          <p:nvPr isPhoto="0" userDrawn="0"/>
-        </p:nvPicPr>
-        <p:blipFill>
-          <a:blip r:embed="rId2">
-            <a:alphaModFix amt="100000"/>
-            <a:lum bright="0" contrast="0"/>
-          </a:blip>
-          <a:stretch/>
-        </p:blipFill>
-        <p:spPr bwMode="auto">
-          <a:xfrm>
-            <a:off x="1453588" y="1991394"/>
-            <a:ext cx="6300683" cy="3815039"/>
-          </a:xfrm>
-          <a:prstGeom prst="rect">
-            <a:avLst/>
-          </a:prstGeom>
-          <a:ln>
-            <a:noFill/>
-          </a:ln>
-        </p:spPr>
-      </p:pic>
+            <a:endParaRPr sz="1000" b="0" i="0" u="none" strike="noStrike" cap="none">
+              <a:solidFill>
+                <a:schemeClr val="dk1"/>
+              </a:solidFill>
+              <a:latin typeface="Arial"/>
+              <a:ea typeface="Arial"/>
+              <a:cs typeface="Arial"/>
+            </a:endParaRPr>
+          </a:p>
+        </p:txBody>
+      </p:sp>
+      <p:sp>
+        <p:nvSpPr>
+          <p:cNvPr id="7" name="" hidden="0"/>
+          <p:cNvSpPr/>
+          <p:nvPr isPhoto="0" userDrawn="0"/>
+        </p:nvSpPr>
+        <p:spPr bwMode="auto">
+          <a:xfrm flipH="0" flipV="0">
+            <a:off x="724622" y="4088155"/>
+            <a:ext cx="8137406" cy="363415"/>
+          </a:xfrm>
+          <a:prstGeom prst="rect">
+            <a:avLst/>
+          </a:prstGeom>
+          <a:noFill/>
+        </p:spPr>
+        <p:txBody>
+          <a:bodyPr vertOverflow="overflow" horzOverflow="clip" vert="horz" wrap="square" lIns="91440" tIns="45720" rIns="91440" bIns="45720" numCol="1" spcCol="0" rtlCol="0" fromWordArt="0" anchor="t" anchorCtr="0" forceAA="0" upright="0" compatLnSpc="0">
+            <a:noAutofit/>
+          </a:bodyPr>
+          <a:p>
+            <a:pPr>
+              <a:defRPr/>
+            </a:pPr>
+            <a:endParaRPr/>
+          </a:p>
+        </p:txBody>
+      </p:sp>
     </p:spTree>
   </p:cSld>
   <p:clrMapOvr>
@@ -2158,7 +2813,7 @@
 
 <file path=ppt/slides/slide3.xml><?xml version="1.0" encoding="utf-8"?>
 <p:sld xmlns:a="http://schemas.openxmlformats.org/drawingml/2006/main" xmlns:r="http://schemas.openxmlformats.org/officeDocument/2006/relationships" xmlns:p="http://schemas.openxmlformats.org/presentationml/2006/main" xmlns:m="http://schemas.openxmlformats.org/officeDocument/2006/math" xmlns:w="http://schemas.openxmlformats.org/wordprocessingml/2006/main" showMasterPhAnim="0" show="1">
-  <p:cSld name="">
+  <p:cSld name="page2">
     <p:spTree>
       <p:nvGrpSpPr>
         <p:cNvPr id="1" name="" hidden="0"/>
@@ -2175,14 +2830,16 @@
       </p:grpSpPr>
       <p:sp>
         <p:nvSpPr>
-          <p:cNvPr id="4" name="Google Shape;267;p55" hidden="0"/>
-          <p:cNvSpPr/>
-          <p:nvPr isPhoto="0" userDrawn="0"/>
-        </p:nvSpPr>
-        <p:spPr bwMode="auto">
-          <a:xfrm>
+          <p:cNvPr id="4" name="CustomShape 1" hidden="0"/>
+          <p:cNvSpPr>
+            <a:spLocks noGrp="1"/>
+          </p:cNvSpPr>
+          <p:nvPr isPhoto="0" userDrawn="0"/>
+        </p:nvSpPr>
+        <p:spPr bwMode="auto">
+          <a:xfrm flipH="0" flipV="0">
             <a:off x="457170" y="781149"/>
-            <a:ext cx="8228000" cy="618078"/>
+            <a:ext cx="8224760" cy="614840"/>
           </a:xfrm>
           <a:prstGeom prst="rect">
             <a:avLst/>
@@ -2193,12 +2850,12 @@
           </a:ln>
         </p:spPr>
         <p:txBody>
-          <a:bodyPr spcFirstLastPara="1" wrap="square" lIns="90000" tIns="45000" rIns="90000" bIns="45000" anchor="t" anchorCtr="0">
-            <a:noAutofit/>
+          <a:bodyPr lIns="89992" tIns="44995" rIns="89992" bIns="44995" anchor="t">
+            <a:normAutofit/>
           </a:bodyPr>
           <a:lstStyle/>
           <a:p>
-            <a:pPr marL="0" marR="0" lvl="0" indent="0" algn="l">
+            <a:pPr algn="l">
               <a:lnSpc>
                 <a:spcPct val="100000"/>
               </a:lnSpc>
@@ -2208,52 +2865,35 @@
               <a:spcAft>
                 <a:spcPts val="0"/>
               </a:spcAft>
-              <a:buNone/>
-              <a:defRPr/>
-            </a:pPr>
-            <a:r>
-              <a:rPr lang="pt-BR" sz="3200" b="0" i="0" u="none" strike="noStrike" cap="none">
+              <a:defRPr/>
+            </a:pPr>
+            <a:r>
+              <a:rPr sz="3200" u="none">
                 <a:solidFill>
                   <a:srgbClr val="C00026"/>
                 </a:solidFill>
                 <a:latin typeface="Verdana"/>
                 <a:ea typeface="Verdana"/>
-                <a:cs typeface="Verdana"/>
-              </a:rPr>
-              <a:t>Conceito : </a:t>
-            </a:r>
-            <a:r>
-              <a:rPr lang="pt-BR" sz="3200" b="0" i="0" u="sng" strike="noStrike" cap="none">
-                <a:solidFill>
-                  <a:srgbClr val="C00026"/>
-                </a:solidFill>
-                <a:latin typeface="Verdana"/>
-                <a:ea typeface="Verdana"/>
-                <a:cs typeface="Verdana"/>
-              </a:rPr>
-              <a:t>Race Condition</a:t>
-            </a:r>
-            <a:endParaRPr sz="3200" b="0" i="0" u="none" strike="noStrike" cap="none">
-              <a:solidFill>
-                <a:schemeClr val="dk1"/>
-              </a:solidFill>
-              <a:latin typeface="Arial"/>
-              <a:ea typeface="Arial"/>
-              <a:cs typeface="Arial"/>
-            </a:endParaRPr>
-          </a:p>
-        </p:txBody>
-      </p:sp>
-      <p:sp>
-        <p:nvSpPr>
-          <p:cNvPr id="5" name="Google Shape;268;p55" hidden="0"/>
-          <p:cNvSpPr/>
-          <p:nvPr isPhoto="0" userDrawn="0"/>
-        </p:nvSpPr>
-        <p:spPr bwMode="auto">
-          <a:xfrm>
-            <a:off x="161987" y="85673"/>
-            <a:ext cx="7227983" cy="351336"/>
+                <a:cs typeface="DejaVu Sans"/>
+              </a:rPr>
+              <a:t>Processos e threads</a:t>
+            </a:r>
+            <a:endParaRPr/>
+          </a:p>
+        </p:txBody>
+      </p:sp>
+      <p:sp>
+        <p:nvSpPr>
+          <p:cNvPr id="5" name="CustomShape 2" hidden="0"/>
+          <p:cNvSpPr>
+            <a:spLocks noGrp="1"/>
+          </p:cNvSpPr>
+          <p:nvPr isPhoto="0" userDrawn="0"/>
+        </p:nvSpPr>
+        <p:spPr bwMode="auto">
+          <a:xfrm flipH="0" flipV="0">
+            <a:off x="161988" y="85673"/>
+            <a:ext cx="7224743" cy="348097"/>
           </a:xfrm>
           <a:prstGeom prst="rect">
             <a:avLst/>
@@ -2264,51 +2904,43 @@
           </a:ln>
         </p:spPr>
         <p:txBody>
-          <a:bodyPr spcFirstLastPara="1" wrap="square" lIns="91422" tIns="91422" rIns="91422" bIns="91422" anchor="ctr" anchorCtr="0">
-            <a:noAutofit/>
+          <a:bodyPr lIns="89992" tIns="44995" rIns="89992" bIns="44995" anchor="t"/>
+          <a:p>
+            <a:pPr>
+              <a:defRPr/>
+            </a:pPr>
+            <a:endParaRPr/>
+          </a:p>
+        </p:txBody>
+      </p:sp>
+      <p:sp>
+        <p:nvSpPr>
+          <p:cNvPr id="6" name="CustomShape 3" hidden="0"/>
+          <p:cNvSpPr>
+            <a:spLocks noGrp="1"/>
+          </p:cNvSpPr>
+          <p:nvPr isPhoto="0" userDrawn="0"/>
+        </p:nvSpPr>
+        <p:spPr bwMode="auto">
+          <a:xfrm flipH="0" flipV="0">
+            <a:off x="84233" y="6401835"/>
+            <a:ext cx="637158" cy="360696"/>
+          </a:xfrm>
+          <a:prstGeom prst="rect">
+            <a:avLst/>
+          </a:prstGeom>
+          <a:noFill/>
+          <a:ln>
+            <a:noFill/>
+          </a:ln>
+        </p:spPr>
+        <p:txBody>
+          <a:bodyPr lIns="89992" tIns="44995" rIns="89992" bIns="44995" anchor="ctr">
+            <a:normAutofit/>
           </a:bodyPr>
           <a:lstStyle/>
           <a:p>
-            <a:pPr marL="0" lvl="0" indent="0" algn="l">
-              <a:spcBef>
-                <a:spcPts val="0"/>
-              </a:spcBef>
-              <a:spcAft>
-                <a:spcPts val="0"/>
-              </a:spcAft>
-              <a:buNone/>
-              <a:defRPr/>
-            </a:pPr>
-            <a:endParaRPr/>
-          </a:p>
-        </p:txBody>
-      </p:sp>
-      <p:sp>
-        <p:nvSpPr>
-          <p:cNvPr id="6" name="Google Shape;269;p55" hidden="0"/>
-          <p:cNvSpPr/>
-          <p:nvPr isPhoto="0" userDrawn="0"/>
-        </p:nvSpPr>
-        <p:spPr bwMode="auto">
-          <a:xfrm>
-            <a:off x="84233" y="6401835"/>
-            <a:ext cx="640398" cy="363935"/>
-          </a:xfrm>
-          <a:prstGeom prst="rect">
-            <a:avLst/>
-          </a:prstGeom>
-          <a:noFill/>
-          <a:ln>
-            <a:noFill/>
-          </a:ln>
-        </p:spPr>
-        <p:txBody>
-          <a:bodyPr spcFirstLastPara="1" wrap="square" lIns="90000" tIns="45000" rIns="90000" bIns="45000" anchor="ctr" anchorCtr="0">
-            <a:noAutofit/>
-          </a:bodyPr>
-          <a:lstStyle/>
-          <a:p>
-            <a:pPr marL="0" marR="0" lvl="0" indent="0" algn="r">
+            <a:pPr algn="r">
               <a:lnSpc>
                 <a:spcPct val="100000"/>
               </a:lnSpc>
@@ -2318,147 +2950,42 @@
               <a:spcAft>
                 <a:spcPts val="0"/>
               </a:spcAft>
-              <a:buNone/>
-              <a:defRPr/>
-            </a:pPr>
-            <a:fld id="{4535A91F-B9E2-0FF9-0C10-E8DAA9496C1D}" type="slidenum">
-              <a:rPr lang="pt-BR" sz="1000" b="0" i="0" u="none" strike="noStrike" cap="none">
-                <a:solidFill>
-                  <a:srgbClr val="B2B2B2"/>
-                </a:solidFill>
-                <a:latin typeface="Verdana"/>
-                <a:ea typeface="Verdana"/>
-                <a:cs typeface="Verdana"/>
-              </a:rPr>
+              <a:defRPr/>
+            </a:pPr>
+            <a:fld id="{35784EA6-F078-3A71-39DD-E12A3CEDE252}" type="slidenum">
+              <a:rPr/>
               <a:t/>
             </a:fld>
-            <a:endParaRPr sz="1000" b="0" i="0" u="none" strike="noStrike" cap="none">
-              <a:solidFill>
-                <a:schemeClr val="dk1"/>
-              </a:solidFill>
-              <a:latin typeface="Arial"/>
-              <a:ea typeface="Arial"/>
-              <a:cs typeface="Arial"/>
-            </a:endParaRPr>
-          </a:p>
-        </p:txBody>
-      </p:sp>
-      <p:sp>
-        <p:nvSpPr>
-          <p:cNvPr id="7" name="Google Shape;270;p55" hidden="0"/>
-          <p:cNvSpPr>
-            <a:spLocks noAdjustHandles="0" noChangeArrowheads="0"/>
-          </p:cNvSpPr>
-          <p:nvPr isPhoto="0" userDrawn="0"/>
-        </p:nvSpPr>
-        <p:spPr bwMode="auto">
-          <a:xfrm flipH="0" flipV="0">
-            <a:off x="309196" y="1588380"/>
-            <a:ext cx="8703828" cy="4976109"/>
-          </a:xfrm>
-          <a:prstGeom prst="rect">
-            <a:avLst/>
-          </a:prstGeom>
-          <a:noFill/>
-          <a:ln>
-            <a:noFill/>
-          </a:ln>
-        </p:spPr>
-        <p:txBody>
-          <a:bodyPr spcFirstLastPara="1" wrap="square" lIns="91422" tIns="45693" rIns="91422" bIns="45693" anchor="t" anchorCtr="0">
-            <a:noAutofit/>
-          </a:bodyPr>
-          <a:lstStyle/>
-          <a:p>
-            <a:pPr>
-              <a:defRPr/>
-            </a:pPr>
-            <a:endParaRPr/>
-          </a:p>
-          <a:p>
-            <a:pPr>
-              <a:defRPr/>
-            </a:pPr>
-            <a:endParaRPr/>
-          </a:p>
-          <a:p>
-            <a:pPr>
-              <a:defRPr/>
-            </a:pPr>
-            <a:endParaRPr/>
-          </a:p>
-          <a:p>
-            <a:pPr algn="ctr">
-              <a:defRPr/>
-            </a:pPr>
-            <a:r>
-              <a:rPr sz="2800" b="0">
-                <a:solidFill>
-                  <a:srgbClr val="C00000"/>
-                </a:solidFill>
-              </a:rPr>
-              <a:t>"Ocorre quando a saída do programa depende da ordem de execução das threads"</a:t>
-            </a:r>
-            <a:endParaRPr sz="2800" b="0">
-              <a:solidFill>
-                <a:srgbClr val="C00000"/>
-              </a:solidFill>
-            </a:endParaRPr>
-          </a:p>
-          <a:p>
-            <a:pPr algn="ctr">
-              <a:defRPr/>
-            </a:pPr>
-            <a:endParaRPr sz="2400"/>
-          </a:p>
-          <a:p>
-            <a:pPr algn="ctr">
-              <a:defRPr/>
-            </a:pPr>
-            <a:endParaRPr sz="2400"/>
-          </a:p>
-          <a:p>
-            <a:pPr algn="l">
-              <a:defRPr/>
-            </a:pPr>
-            <a:r>
-              <a:rPr sz="2400"/>
-              <a:t>Em geral ocorre quando</a:t>
-            </a:r>
-            <a:endParaRPr sz="2400"/>
-          </a:p>
-          <a:p>
-            <a:pPr algn="l">
-              <a:defRPr/>
-            </a:pPr>
-            <a:endParaRPr sz="2400"/>
-          </a:p>
-          <a:p>
-            <a:pPr marL="349965" indent="-349965" algn="l">
-              <a:buFont typeface="Arial"/>
-              <a:buChar char="•"/>
-              <a:defRPr/>
-            </a:pPr>
-            <a:r>
-              <a:rPr sz="2400"/>
-              <a:t>uma variável é usada em mais de uma thread e há pelo menos uma operação de escrita.</a:t>
-            </a:r>
-            <a:endParaRPr sz="2400"/>
-          </a:p>
-          <a:p>
-            <a:pPr marL="349965" indent="-349965" algn="l">
-              <a:buFont typeface="Arial"/>
-              <a:buChar char="•"/>
-              <a:defRPr/>
-            </a:pPr>
-            <a:r>
-              <a:rPr sz="2400"/>
-              <a:t>trabalhamos com os mesmosarquivos simultaneamente em várias threads</a:t>
-            </a:r>
-            <a:endParaRPr sz="2400"/>
-          </a:p>
-        </p:txBody>
-      </p:sp>
+            <a:endParaRPr/>
+          </a:p>
+        </p:txBody>
+      </p:sp>
+      <p:pic>
+        <p:nvPicPr>
+          <p:cNvPr id="7" name="Imagem 5" hidden="0"/>
+          <p:cNvPicPr/>
+          <p:nvPr isPhoto="0" userDrawn="0"/>
+        </p:nvPicPr>
+        <p:blipFill>
+          <a:blip r:embed="rId2">
+            <a:alphaModFix amt="100000"/>
+            <a:lum bright="0" contrast="0"/>
+          </a:blip>
+          <a:stretch/>
+        </p:blipFill>
+        <p:spPr bwMode="auto">
+          <a:xfrm>
+            <a:off x="1453587" y="1991394"/>
+            <a:ext cx="6300682" cy="3815038"/>
+          </a:xfrm>
+          <a:prstGeom prst="rect">
+            <a:avLst/>
+          </a:prstGeom>
+          <a:ln>
+            <a:noFill/>
+          </a:ln>
+        </p:spPr>
+      </p:pic>
     </p:spTree>
   </p:cSld>
   <p:clrMapOvr>
@@ -2550,7 +3077,7 @@
                 <a:ea typeface="Verdana"/>
                 <a:cs typeface="Verdana"/>
               </a:rPr>
-              <a:t>Região Crítica</a:t>
+              <a:t>Race Condition</a:t>
             </a:r>
             <a:endParaRPr sz="3200" b="0" i="0" u="none" strike="noStrike" cap="none">
               <a:solidFill>
@@ -2640,7 +3167,7 @@
               <a:buNone/>
               <a:defRPr/>
             </a:pPr>
-            <a:fld id="{D568C5D1-13A6-6828-C42C-2CCEF8B35F9A}" type="slidenum">
+            <a:fld id="{4535A91F-B9E2-0FF9-0C10-E8DAA9496C1D}" type="slidenum">
               <a:rPr lang="pt-BR" sz="1000" b="0" i="0" u="none" strike="noStrike" cap="none">
                 <a:solidFill>
                   <a:srgbClr val="B2B2B2"/>
@@ -2716,7 +3243,7 @@
                   <a:srgbClr val="C00000"/>
                 </a:solidFill>
               </a:rPr>
-              <a:t>"Parte do programa que só pode ser rodada uma thread por vez"</a:t>
+              <a:t>"Ocorre quando a saída do programa depende da ordem de execução das threads"</a:t>
             </a:r>
             <a:endParaRPr sz="2800" b="0">
               <a:solidFill>
@@ -2740,6 +3267,16 @@
             <a:pPr algn="l">
               <a:defRPr/>
             </a:pPr>
+            <a:r>
+              <a:rPr sz="2400"/>
+              <a:t>Em geral ocorre quando</a:t>
+            </a:r>
+            <a:endParaRPr sz="2400"/>
+          </a:p>
+          <a:p>
+            <a:pPr algn="l">
+              <a:defRPr/>
+            </a:pPr>
             <a:endParaRPr sz="2400"/>
           </a:p>
           <a:p>
@@ -2750,7 +3287,7 @@
             </a:pPr>
             <a:r>
               <a:rPr sz="2400"/>
-              <a:t>elimina situações de concorrência</a:t>
+              <a:t>uma variável é usada em mais de uma thread e há pelo menos uma operação de escrita.</a:t>
             </a:r>
             <a:endParaRPr sz="2400"/>
           </a:p>
@@ -2762,7 +3299,7 @@
             </a:pPr>
             <a:r>
               <a:rPr sz="2400"/>
-              <a:t>elimina também toda a concorrência e pode se tornar gargalo de desempenho</a:t>
+              <a:t>trabalhamos com os mesmosarquivos simultaneamente em várias threads</a:t>
             </a:r>
             <a:endParaRPr sz="2400"/>
           </a:p>
@@ -2786,7 +3323,7 @@
 
 <file path=ppt/slides/slide5.xml><?xml version="1.0" encoding="utf-8"?>
 <p:sld xmlns:a="http://schemas.openxmlformats.org/drawingml/2006/main" xmlns:r="http://schemas.openxmlformats.org/officeDocument/2006/relationships" xmlns:p="http://schemas.openxmlformats.org/presentationml/2006/main" xmlns:m="http://schemas.openxmlformats.org/officeDocument/2006/math" xmlns:w="http://schemas.openxmlformats.org/wordprocessingml/2006/main" showMasterPhAnim="0" show="1">
-  <p:cSld name="page11">
+  <p:cSld name="">
     <p:spTree>
       <p:nvGrpSpPr>
         <p:cNvPr id="1" name="" hidden="0"/>
@@ -2803,16 +3340,14 @@
       </p:grpSpPr>
       <p:sp>
         <p:nvSpPr>
-          <p:cNvPr id="4" name="CustomShape 1" hidden="0"/>
-          <p:cNvSpPr>
-            <a:spLocks noGrp="1"/>
-          </p:cNvSpPr>
-          <p:nvPr isPhoto="0" userDrawn="0"/>
-        </p:nvSpPr>
-        <p:spPr bwMode="auto">
-          <a:xfrm flipH="0" flipV="0">
+          <p:cNvPr id="4" name="Google Shape;267;p55" hidden="0"/>
+          <p:cNvSpPr/>
+          <p:nvPr isPhoto="0" userDrawn="0"/>
+        </p:nvSpPr>
+        <p:spPr bwMode="auto">
+          <a:xfrm>
             <a:off x="457170" y="781149"/>
-            <a:ext cx="8227640" cy="617720"/>
+            <a:ext cx="8228000" cy="618078"/>
           </a:xfrm>
           <a:prstGeom prst="rect">
             <a:avLst/>
@@ -2823,12 +3358,12 @@
           </a:ln>
         </p:spPr>
         <p:txBody>
-          <a:bodyPr lIns="89992" tIns="44995" rIns="89992" bIns="44995" anchor="t">
-            <a:normAutofit/>
+          <a:bodyPr spcFirstLastPara="1" wrap="square" lIns="90000" tIns="45000" rIns="90000" bIns="45000" anchor="t" anchorCtr="0">
+            <a:noAutofit/>
           </a:bodyPr>
           <a:lstStyle/>
           <a:p>
-            <a:pPr algn="ctr">
+            <a:pPr marL="0" marR="0" lvl="0" indent="0" algn="l">
               <a:lnSpc>
                 <a:spcPct val="100000"/>
               </a:lnSpc>
@@ -2838,46 +3373,107 @@
               <a:spcAft>
                 <a:spcPts val="0"/>
               </a:spcAft>
-              <a:defRPr/>
-            </a:pPr>
-            <a:r>
-              <a:rPr sz="3200" u="none">
+              <a:buNone/>
+              <a:defRPr/>
+            </a:pPr>
+            <a:r>
+              <a:rPr lang="pt-BR" sz="3200" b="0" i="0" u="none" strike="noStrike" cap="none">
                 <a:solidFill>
                   <a:srgbClr val="C00026"/>
                 </a:solidFill>
                 <a:latin typeface="Verdana"/>
                 <a:ea typeface="Verdana"/>
-                <a:cs typeface="DejaVu Sans"/>
-              </a:rPr>
-              <a:t>Mutex (Mutual Exclusion)</a:t>
-            </a:r>
-            <a:br>
-              <a:rPr strike="noStrike"/>
-            </a:br>
-            <a:br>
-              <a:rPr strike="noStrike"/>
-            </a:br>
-            <a:r>
-              <a:rPr sz="2600" i="1" u="none">
-                <a:solidFill>
-                  <a:srgbClr val="000000"/>
+                <a:cs typeface="Verdana"/>
+              </a:rPr>
+              <a:t>Conceito : </a:t>
+            </a:r>
+            <a:r>
+              <a:rPr lang="pt-BR" sz="3200" b="0" i="0" u="sng" strike="noStrike" cap="none">
+                <a:solidFill>
+                  <a:srgbClr val="C00026"/>
                 </a:solidFill>
                 <a:latin typeface="Verdana"/>
                 <a:ea typeface="Verdana"/>
-                <a:cs typeface="DejaVu Sans"/>
-              </a:rPr>
-              <a:t>Primitiva de sincronização para criação de regiões de exclusão mútua</a:t>
-            </a:r>
-            <a:br>
-              <a:rPr strike="noStrike"/>
-            </a:br>
-            <a:br>
-              <a:rPr strike="noStrike"/>
-            </a:br>
-            <a:endParaRPr/>
-          </a:p>
-          <a:p>
-            <a:pPr marL="215985" lvl="0" indent="215625" algn="ctr">
+                <a:cs typeface="Verdana"/>
+              </a:rPr>
+              <a:t>Região Crítica</a:t>
+            </a:r>
+            <a:endParaRPr sz="3200" b="0" i="0" u="none" strike="noStrike" cap="none">
+              <a:solidFill>
+                <a:schemeClr val="dk1"/>
+              </a:solidFill>
+              <a:latin typeface="Arial"/>
+              <a:ea typeface="Arial"/>
+              <a:cs typeface="Arial"/>
+            </a:endParaRPr>
+          </a:p>
+        </p:txBody>
+      </p:sp>
+      <p:sp>
+        <p:nvSpPr>
+          <p:cNvPr id="5" name="Google Shape;268;p55" hidden="0"/>
+          <p:cNvSpPr/>
+          <p:nvPr isPhoto="0" userDrawn="0"/>
+        </p:nvSpPr>
+        <p:spPr bwMode="auto">
+          <a:xfrm>
+            <a:off x="161987" y="85673"/>
+            <a:ext cx="7227983" cy="351336"/>
+          </a:xfrm>
+          <a:prstGeom prst="rect">
+            <a:avLst/>
+          </a:prstGeom>
+          <a:noFill/>
+          <a:ln>
+            <a:noFill/>
+          </a:ln>
+        </p:spPr>
+        <p:txBody>
+          <a:bodyPr spcFirstLastPara="1" wrap="square" lIns="91422" tIns="91422" rIns="91422" bIns="91422" anchor="ctr" anchorCtr="0">
+            <a:noAutofit/>
+          </a:bodyPr>
+          <a:lstStyle/>
+          <a:p>
+            <a:pPr marL="0" lvl="0" indent="0" algn="l">
+              <a:spcBef>
+                <a:spcPts val="0"/>
+              </a:spcBef>
+              <a:spcAft>
+                <a:spcPts val="0"/>
+              </a:spcAft>
+              <a:buNone/>
+              <a:defRPr/>
+            </a:pPr>
+            <a:endParaRPr/>
+          </a:p>
+        </p:txBody>
+      </p:sp>
+      <p:sp>
+        <p:nvSpPr>
+          <p:cNvPr id="6" name="Google Shape;269;p55" hidden="0"/>
+          <p:cNvSpPr/>
+          <p:nvPr isPhoto="0" userDrawn="0"/>
+        </p:nvSpPr>
+        <p:spPr bwMode="auto">
+          <a:xfrm>
+            <a:off x="84233" y="6401835"/>
+            <a:ext cx="640398" cy="363935"/>
+          </a:xfrm>
+          <a:prstGeom prst="rect">
+            <a:avLst/>
+          </a:prstGeom>
+          <a:noFill/>
+          <a:ln>
+            <a:noFill/>
+          </a:ln>
+        </p:spPr>
+        <p:txBody>
+          <a:bodyPr spcFirstLastPara="1" wrap="square" lIns="90000" tIns="45000" rIns="90000" bIns="45000" anchor="ctr" anchorCtr="0">
+            <a:noAutofit/>
+          </a:bodyPr>
+          <a:lstStyle/>
+          <a:p>
+            <a:pPr marL="0" marR="0" lvl="0" indent="0" algn="r">
               <a:lnSpc>
                 <a:spcPct val="100000"/>
               </a:lnSpc>
@@ -2887,141 +3483,134 @@
               <a:spcAft>
                 <a:spcPts val="0"/>
               </a:spcAft>
-              <a:buClr>
-                <a:srgbClr val="000000"/>
-              </a:buClr>
-              <a:buSzPct val="45000"/>
-              <a:buFont typeface="Wingdings"/>
-              <a:buChar char=""/>
-              <a:defRPr/>
-            </a:pPr>
-            <a:endParaRPr/>
-          </a:p>
-          <a:p>
-            <a:pPr marL="371993" lvl="0" indent="-371993" algn="l">
-              <a:lnSpc>
-                <a:spcPct val="100000"/>
-              </a:lnSpc>
-              <a:spcBef>
-                <a:spcPts val="1133"/>
-              </a:spcBef>
-              <a:spcAft>
-                <a:spcPts val="1133"/>
-              </a:spcAft>
+              <a:buNone/>
+              <a:defRPr/>
+            </a:pPr>
+            <a:fld id="{D568C5D1-13A6-6828-C42C-2CCEF8B35F9A}" type="slidenum">
+              <a:rPr lang="pt-BR" sz="1000" b="0" i="0" u="none" strike="noStrike" cap="none">
+                <a:solidFill>
+                  <a:srgbClr val="B2B2B2"/>
+                </a:solidFill>
+                <a:latin typeface="Verdana"/>
+                <a:ea typeface="Verdana"/>
+                <a:cs typeface="Verdana"/>
+              </a:rPr>
+              <a:t/>
+            </a:fld>
+            <a:endParaRPr sz="1000" b="0" i="0" u="none" strike="noStrike" cap="none">
+              <a:solidFill>
+                <a:schemeClr val="dk1"/>
+              </a:solidFill>
+              <a:latin typeface="Arial"/>
+              <a:ea typeface="Arial"/>
+              <a:cs typeface="Arial"/>
+            </a:endParaRPr>
+          </a:p>
+        </p:txBody>
+      </p:sp>
+      <p:sp>
+        <p:nvSpPr>
+          <p:cNvPr id="7" name="Google Shape;270;p55" hidden="0"/>
+          <p:cNvSpPr>
+            <a:spLocks noAdjustHandles="0" noChangeArrowheads="0"/>
+          </p:cNvSpPr>
+          <p:nvPr isPhoto="0" userDrawn="0"/>
+        </p:nvSpPr>
+        <p:spPr bwMode="auto">
+          <a:xfrm flipH="0" flipV="0">
+            <a:off x="309196" y="1588380"/>
+            <a:ext cx="8703828" cy="4976109"/>
+          </a:xfrm>
+          <a:prstGeom prst="rect">
+            <a:avLst/>
+          </a:prstGeom>
+          <a:noFill/>
+          <a:ln>
+            <a:noFill/>
+          </a:ln>
+        </p:spPr>
+        <p:txBody>
+          <a:bodyPr spcFirstLastPara="1" wrap="square" lIns="91422" tIns="45693" rIns="91422" bIns="45693" anchor="t" anchorCtr="0">
+            <a:noAutofit/>
+          </a:bodyPr>
+          <a:lstStyle/>
+          <a:p>
+            <a:pPr>
+              <a:defRPr/>
+            </a:pPr>
+            <a:endParaRPr/>
+          </a:p>
+          <a:p>
+            <a:pPr>
+              <a:defRPr/>
+            </a:pPr>
+            <a:endParaRPr/>
+          </a:p>
+          <a:p>
+            <a:pPr>
+              <a:defRPr/>
+            </a:pPr>
+            <a:endParaRPr/>
+          </a:p>
+          <a:p>
+            <a:pPr algn="ctr">
+              <a:defRPr/>
+            </a:pPr>
+            <a:r>
+              <a:rPr sz="2800" b="0">
+                <a:solidFill>
+                  <a:srgbClr val="C00000"/>
+                </a:solidFill>
+              </a:rPr>
+              <a:t>"Parte do programa que só pode ser rodada uma thread por vez"</a:t>
+            </a:r>
+            <a:endParaRPr sz="2800" b="0">
+              <a:solidFill>
+                <a:srgbClr val="C00000"/>
+              </a:solidFill>
+            </a:endParaRPr>
+          </a:p>
+          <a:p>
+            <a:pPr algn="ctr">
+              <a:defRPr/>
+            </a:pPr>
+            <a:endParaRPr sz="2400"/>
+          </a:p>
+          <a:p>
+            <a:pPr algn="ctr">
+              <a:defRPr/>
+            </a:pPr>
+            <a:endParaRPr sz="2400"/>
+          </a:p>
+          <a:p>
+            <a:pPr algn="l">
+              <a:defRPr/>
+            </a:pPr>
+            <a:endParaRPr sz="2400"/>
+          </a:p>
+          <a:p>
+            <a:pPr marL="349965" indent="-349965" algn="l">
               <a:buFont typeface="Arial"/>
               <a:buChar char="•"/>
               <a:defRPr/>
             </a:pPr>
             <a:r>
-              <a:rPr sz="2600" u="none">
-                <a:solidFill>
-                  <a:srgbClr val="000000"/>
-                </a:solidFill>
-                <a:latin typeface="Verdana"/>
-                <a:ea typeface="Verdana"/>
-                <a:cs typeface="DejaVu Sans"/>
-              </a:rPr>
-              <a:t>Lock – se estiver destravado, trava e continua</a:t>
-            </a:r>
-            <a:endParaRPr/>
-          </a:p>
-          <a:p>
-            <a:pPr lvl="6" algn="l">
-              <a:lnSpc>
-                <a:spcPct val="100000"/>
-              </a:lnSpc>
-              <a:spcBef>
-                <a:spcPts val="1133"/>
-              </a:spcBef>
-              <a:spcAft>
-                <a:spcPts val="1133"/>
-              </a:spcAft>
-              <a:defRPr/>
-            </a:pPr>
-            <a:r>
-              <a:rPr sz="2600" u="none">
-                <a:solidFill>
-                  <a:srgbClr val="000000"/>
-                </a:solidFill>
-                <a:latin typeface="Verdana"/>
-                <a:ea typeface="Verdana"/>
-                <a:cs typeface="DejaVu Sans"/>
-              </a:rPr>
-              <a:t>	   - se não espera até alguém destravar</a:t>
-            </a:r>
-            <a:endParaRPr/>
-          </a:p>
-          <a:p>
-            <a:pPr marL="371993" lvl="0" indent="-371993" algn="l">
-              <a:lnSpc>
-                <a:spcPct val="100000"/>
-              </a:lnSpc>
-              <a:spcBef>
-                <a:spcPts val="1133"/>
-              </a:spcBef>
-              <a:spcAft>
-                <a:spcPts val="1133"/>
-              </a:spcAft>
+              <a:rPr sz="2400"/>
+              <a:t>elimina situações de concorrência</a:t>
+            </a:r>
+            <a:endParaRPr sz="2400"/>
+          </a:p>
+          <a:p>
+            <a:pPr marL="349965" indent="-349965" algn="l">
               <a:buFont typeface="Arial"/>
               <a:buChar char="•"/>
               <a:defRPr/>
             </a:pPr>
             <a:r>
-              <a:rPr sz="2600" u="none">
-                <a:solidFill>
-                  <a:srgbClr val="000000"/>
-                </a:solidFill>
-                <a:latin typeface="Verdana"/>
-                <a:ea typeface="Verdana"/>
-                <a:cs typeface="DejaVu Sans"/>
-              </a:rPr>
-              <a:t>Unlock  – se tiver a trava, destrava</a:t>
-            </a:r>
-            <a:endParaRPr/>
-          </a:p>
-          <a:p>
-            <a:pPr lvl="8" algn="l">
-              <a:lnSpc>
-                <a:spcPct val="100000"/>
-              </a:lnSpc>
-              <a:spcBef>
-                <a:spcPts val="1133"/>
-              </a:spcBef>
-              <a:spcAft>
-                <a:spcPts val="1133"/>
-              </a:spcAft>
-              <a:defRPr/>
-            </a:pPr>
-            <a:r>
-              <a:rPr sz="2600" u="none">
-                <a:solidFill>
-                  <a:srgbClr val="000000"/>
-                </a:solidFill>
-                <a:latin typeface="Verdana"/>
-                <a:ea typeface="Verdana"/>
-                <a:cs typeface="DejaVu Sans"/>
-              </a:rPr>
-              <a:t>	        - se não tiver retorna erro</a:t>
-            </a:r>
-            <a:endParaRPr/>
-          </a:p>
-          <a:p>
-            <a:pPr marL="0" marR="0" indent="0" algn="l">
-              <a:lnSpc>
-                <a:spcPct val="100000"/>
-              </a:lnSpc>
-              <a:spcBef>
-                <a:spcPts val="1133"/>
-              </a:spcBef>
-              <a:spcAft>
-                <a:spcPts val="1133"/>
-              </a:spcAft>
-              <a:defRPr/>
-            </a:pPr>
-            <a:br>
-              <a:rPr strike="noStrike"/>
-            </a:br>
-            <a:endParaRPr/>
+              <a:rPr sz="2400"/>
+              <a:t>elimina também toda a concorrência e pode se tornar gargalo de desempenho</a:t>
+            </a:r>
+            <a:endParaRPr sz="2400"/>
           </a:p>
         </p:txBody>
       </p:sp>
@@ -3043,7 +3632,7 @@
 
 <file path=ppt/slides/slide6.xml><?xml version="1.0" encoding="utf-8"?>
 <p:sld xmlns:a="http://schemas.openxmlformats.org/drawingml/2006/main" xmlns:r="http://schemas.openxmlformats.org/officeDocument/2006/relationships" xmlns:p="http://schemas.openxmlformats.org/presentationml/2006/main" xmlns:m="http://schemas.openxmlformats.org/officeDocument/2006/math" xmlns:w="http://schemas.openxmlformats.org/wordprocessingml/2006/main" showMasterPhAnim="0" show="1">
-  <p:cSld name="page13">
+  <p:cSld name="page11">
     <p:spTree>
       <p:nvGrpSpPr>
         <p:cNvPr id="1" name="" hidden="0"/>
@@ -3069,7 +3658,7 @@
         <p:spPr bwMode="auto">
           <a:xfrm flipH="0" flipV="0">
             <a:off x="457170" y="781149"/>
-            <a:ext cx="8227280" cy="617360"/>
+            <a:ext cx="8227640" cy="617720"/>
           </a:xfrm>
           <a:prstGeom prst="rect">
             <a:avLst/>
@@ -3085,7 +3674,7 @@
           </a:bodyPr>
           <a:lstStyle/>
           <a:p>
-            <a:pPr algn="l">
+            <a:pPr algn="ctr">
               <a:lnSpc>
                 <a:spcPct val="100000"/>
               </a:lnSpc>
@@ -3106,7 +3695,7 @@
                 <a:ea typeface="Verdana"/>
                 <a:cs typeface="DejaVu Sans"/>
               </a:rPr>
-              <a:t>Problema – leitura de informações</a:t>
+              <a:t>Mutex (Mutual Exclusion)</a:t>
             </a:r>
             <a:br>
               <a:rPr strike="noStrike"/>
@@ -3114,212 +3703,170 @@
             <a:br>
               <a:rPr strike="noStrike"/>
             </a:br>
+            <a:r>
+              <a:rPr sz="2600" i="1" u="none">
+                <a:solidFill>
+                  <a:srgbClr val="000000"/>
+                </a:solidFill>
+                <a:latin typeface="Verdana"/>
+                <a:ea typeface="Verdana"/>
+                <a:cs typeface="DejaVu Sans"/>
+              </a:rPr>
+              <a:t>Primitiva de sincronização para criação de regiões de exclusão mútua</a:t>
+            </a:r>
             <a:br>
               <a:rPr strike="noStrike"/>
             </a:br>
-            <a:endParaRPr/>
-          </a:p>
-        </p:txBody>
-      </p:sp>
-      <p:pic>
-        <p:nvPicPr>
-          <p:cNvPr id="5" name="" hidden="0"/>
-          <p:cNvPicPr/>
-          <p:nvPr isPhoto="0" userDrawn="0"/>
-        </p:nvPicPr>
-        <p:blipFill>
-          <a:blip r:embed="rId2">
-            <a:alphaModFix amt="100000"/>
-            <a:lum bright="0" contrast="0"/>
-          </a:blip>
-          <a:stretch/>
-        </p:blipFill>
-        <p:spPr bwMode="auto">
-          <a:xfrm>
-            <a:off x="3019488" y="3235115"/>
-            <a:ext cx="1731848" cy="1156246"/>
-          </a:xfrm>
-          <a:prstGeom prst="rect">
-            <a:avLst/>
-          </a:prstGeom>
-          <a:ln>
-            <a:noFill/>
-          </a:ln>
-        </p:spPr>
-      </p:pic>
-      <p:pic>
-        <p:nvPicPr>
-          <p:cNvPr id="6" name="" hidden="0"/>
-          <p:cNvPicPr/>
-          <p:nvPr isPhoto="0" userDrawn="0"/>
-        </p:nvPicPr>
-        <p:blipFill>
-          <a:blip r:embed="rId3">
-            <a:alphaModFix amt="100000"/>
-            <a:lum bright="0" contrast="0"/>
-          </a:blip>
-          <a:stretch/>
-        </p:blipFill>
-        <p:spPr bwMode="auto">
-          <a:xfrm>
-            <a:off x="277182" y="3136842"/>
-            <a:ext cx="1810324" cy="1398509"/>
-          </a:xfrm>
-          <a:prstGeom prst="rect">
-            <a:avLst/>
-          </a:prstGeom>
-          <a:ln>
-            <a:noFill/>
-          </a:ln>
-        </p:spPr>
-      </p:pic>
-      <p:sp>
-        <p:nvSpPr>
-          <p:cNvPr id="7" name="Line 2" hidden="0"/>
-          <p:cNvSpPr>
-            <a:spLocks noGrp="1"/>
-          </p:cNvSpPr>
-          <p:nvPr isPhoto="0" userDrawn="0"/>
-        </p:nvSpPr>
-        <p:spPr bwMode="auto">
-          <a:xfrm>
-            <a:off x="2231858" y="3743763"/>
-            <a:ext cx="643638" cy="358"/>
-          </a:xfrm>
-          <a:prstGeom prst="line">
-            <a:avLst/>
-          </a:prstGeom>
-          <a:ln w="12700">
-            <a:solidFill>
-              <a:srgbClr val="000000"/>
-            </a:solidFill>
-            <a:tailEnd type="triangle"/>
-          </a:ln>
-        </p:spPr>
-        <p:txBody>
-          <a:bodyPr lIns="89992" tIns="44995" rIns="89992" bIns="44995" anchor="t"/>
-          <a:p>
-            <a:pPr>
-              <a:defRPr/>
-            </a:pPr>
-            <a:endParaRPr/>
-          </a:p>
-        </p:txBody>
-      </p:sp>
-      <p:pic>
-        <p:nvPicPr>
-          <p:cNvPr id="8" name="" hidden="0"/>
-          <p:cNvPicPr/>
-          <p:nvPr isPhoto="0" userDrawn="0"/>
-        </p:nvPicPr>
-        <p:blipFill>
-          <a:blip r:embed="rId4">
-            <a:alphaModFix amt="100000"/>
-            <a:lum bright="0" contrast="0"/>
-          </a:blip>
-          <a:stretch/>
-        </p:blipFill>
-        <p:spPr bwMode="auto">
-          <a:xfrm>
-            <a:off x="7415532" y="2879817"/>
-            <a:ext cx="1542501" cy="1542501"/>
-          </a:xfrm>
-          <a:prstGeom prst="rect">
-            <a:avLst/>
-          </a:prstGeom>
-          <a:ln>
-            <a:noFill/>
-          </a:ln>
-        </p:spPr>
-      </p:pic>
-      <p:pic>
-        <p:nvPicPr>
-          <p:cNvPr id="9" name="" hidden="0"/>
-          <p:cNvPicPr/>
-          <p:nvPr isPhoto="0" userDrawn="0"/>
-        </p:nvPicPr>
-        <p:blipFill>
-          <a:blip r:embed="rId5">
-            <a:alphaModFix amt="100000"/>
-            <a:lum bright="0" contrast="0"/>
-          </a:blip>
-          <a:stretch/>
-        </p:blipFill>
-        <p:spPr bwMode="auto">
-          <a:xfrm>
-            <a:off x="5701320" y="3239794"/>
-            <a:ext cx="1137888" cy="1254519"/>
-          </a:xfrm>
-          <a:prstGeom prst="rect">
-            <a:avLst/>
-          </a:prstGeom>
-          <a:ln>
-            <a:noFill/>
-          </a:ln>
-        </p:spPr>
-      </p:pic>
-      <p:sp>
-        <p:nvSpPr>
-          <p:cNvPr id="10" name="Line 3" hidden="0"/>
-          <p:cNvSpPr>
-            <a:spLocks noGrp="1"/>
-          </p:cNvSpPr>
-          <p:nvPr isPhoto="0" userDrawn="0"/>
-        </p:nvSpPr>
-        <p:spPr bwMode="auto">
-          <a:xfrm>
-            <a:off x="4823695" y="3743763"/>
-            <a:ext cx="647958" cy="358"/>
-          </a:xfrm>
-          <a:prstGeom prst="line">
-            <a:avLst/>
-          </a:prstGeom>
-          <a:ln w="12700">
-            <a:solidFill>
-              <a:srgbClr val="000000"/>
-            </a:solidFill>
-            <a:tailEnd type="triangle"/>
-          </a:ln>
-        </p:spPr>
-        <p:txBody>
-          <a:bodyPr lIns="89992" tIns="44995" rIns="89992" bIns="44995" anchor="t"/>
-          <a:p>
-            <a:pPr>
-              <a:defRPr/>
-            </a:pPr>
-            <a:endParaRPr/>
-          </a:p>
-        </p:txBody>
-      </p:sp>
-      <p:sp>
-        <p:nvSpPr>
-          <p:cNvPr id="11" name="Line 4" hidden="0"/>
-          <p:cNvSpPr>
-            <a:spLocks noGrp="1"/>
-          </p:cNvSpPr>
-          <p:nvPr isPhoto="0" userDrawn="0"/>
-        </p:nvSpPr>
-        <p:spPr bwMode="auto">
-          <a:xfrm>
-            <a:off x="6983559" y="3671767"/>
-            <a:ext cx="791949" cy="358"/>
-          </a:xfrm>
-          <a:prstGeom prst="line">
-            <a:avLst/>
-          </a:prstGeom>
-          <a:ln w="12700">
-            <a:solidFill>
-              <a:srgbClr val="000000"/>
-            </a:solidFill>
-            <a:tailEnd type="triangle"/>
-          </a:ln>
-        </p:spPr>
-        <p:txBody>
-          <a:bodyPr lIns="89992" tIns="44995" rIns="89992" bIns="44995" anchor="t"/>
-          <a:p>
-            <a:pPr>
-              <a:defRPr/>
-            </a:pPr>
+            <a:br>
+              <a:rPr strike="noStrike"/>
+            </a:br>
+            <a:endParaRPr/>
+          </a:p>
+          <a:p>
+            <a:pPr marL="215985" lvl="0" indent="215625" algn="ctr">
+              <a:lnSpc>
+                <a:spcPct val="100000"/>
+              </a:lnSpc>
+              <a:spcBef>
+                <a:spcPts val="0"/>
+              </a:spcBef>
+              <a:spcAft>
+                <a:spcPts val="0"/>
+              </a:spcAft>
+              <a:buClr>
+                <a:srgbClr val="000000"/>
+              </a:buClr>
+              <a:buSzPct val="45000"/>
+              <a:buFont typeface="Wingdings"/>
+              <a:buChar char=""/>
+              <a:defRPr/>
+            </a:pPr>
+            <a:endParaRPr/>
+          </a:p>
+          <a:p>
+            <a:pPr marL="371993" lvl="0" indent="-371993" algn="l">
+              <a:lnSpc>
+                <a:spcPct val="100000"/>
+              </a:lnSpc>
+              <a:spcBef>
+                <a:spcPts val="1133"/>
+              </a:spcBef>
+              <a:spcAft>
+                <a:spcPts val="1133"/>
+              </a:spcAft>
+              <a:buFont typeface="Arial"/>
+              <a:buChar char="•"/>
+              <a:defRPr/>
+            </a:pPr>
+            <a:r>
+              <a:rPr sz="2600" u="none">
+                <a:solidFill>
+                  <a:srgbClr val="000000"/>
+                </a:solidFill>
+                <a:latin typeface="Verdana"/>
+                <a:ea typeface="Verdana"/>
+                <a:cs typeface="DejaVu Sans"/>
+              </a:rPr>
+              <a:t>Lock – se estiver destravado, trava e continua</a:t>
+            </a:r>
+            <a:endParaRPr/>
+          </a:p>
+          <a:p>
+            <a:pPr lvl="6" algn="l">
+              <a:lnSpc>
+                <a:spcPct val="100000"/>
+              </a:lnSpc>
+              <a:spcBef>
+                <a:spcPts val="1133"/>
+              </a:spcBef>
+              <a:spcAft>
+                <a:spcPts val="1133"/>
+              </a:spcAft>
+              <a:defRPr/>
+            </a:pPr>
+            <a:r>
+              <a:rPr sz="2600" u="none">
+                <a:solidFill>
+                  <a:srgbClr val="000000"/>
+                </a:solidFill>
+                <a:latin typeface="Verdana"/>
+                <a:ea typeface="Verdana"/>
+                <a:cs typeface="DejaVu Sans"/>
+              </a:rPr>
+              <a:t>	   - se não espera até alguém destravar</a:t>
+            </a:r>
+            <a:endParaRPr/>
+          </a:p>
+          <a:p>
+            <a:pPr marL="371993" lvl="0" indent="-371993" algn="l">
+              <a:lnSpc>
+                <a:spcPct val="100000"/>
+              </a:lnSpc>
+              <a:spcBef>
+                <a:spcPts val="1133"/>
+              </a:spcBef>
+              <a:spcAft>
+                <a:spcPts val="1133"/>
+              </a:spcAft>
+              <a:buFont typeface="Arial"/>
+              <a:buChar char="•"/>
+              <a:defRPr/>
+            </a:pPr>
+            <a:r>
+              <a:rPr sz="2600" u="none">
+                <a:solidFill>
+                  <a:srgbClr val="000000"/>
+                </a:solidFill>
+                <a:latin typeface="Verdana"/>
+                <a:ea typeface="Verdana"/>
+                <a:cs typeface="DejaVu Sans"/>
+              </a:rPr>
+              <a:t>Unlock  – se tiver a trava, destrava</a:t>
+            </a:r>
+            <a:endParaRPr/>
+          </a:p>
+          <a:p>
+            <a:pPr lvl="8" algn="l">
+              <a:lnSpc>
+                <a:spcPct val="100000"/>
+              </a:lnSpc>
+              <a:spcBef>
+                <a:spcPts val="1133"/>
+              </a:spcBef>
+              <a:spcAft>
+                <a:spcPts val="1133"/>
+              </a:spcAft>
+              <a:defRPr/>
+            </a:pPr>
+            <a:r>
+              <a:rPr sz="2600" u="none">
+                <a:solidFill>
+                  <a:srgbClr val="000000"/>
+                </a:solidFill>
+                <a:latin typeface="Verdana"/>
+                <a:ea typeface="Verdana"/>
+                <a:cs typeface="DejaVu Sans"/>
+              </a:rPr>
+              <a:t>	        - se não tiver retorna erro</a:t>
+            </a:r>
+            <a:endParaRPr/>
+          </a:p>
+          <a:p>
+            <a:pPr marL="0" marR="0" indent="0" algn="l">
+              <a:lnSpc>
+                <a:spcPct val="100000"/>
+              </a:lnSpc>
+              <a:spcBef>
+                <a:spcPts val="1133"/>
+              </a:spcBef>
+              <a:spcAft>
+                <a:spcPts val="1133"/>
+              </a:spcAft>
+              <a:defRPr/>
+            </a:pPr>
+            <a:br>
+              <a:rPr strike="noStrike"/>
+            </a:br>
             <a:endParaRPr/>
           </a:p>
         </p:txBody>
@@ -3342,7 +3889,7 @@
 
 <file path=ppt/slides/slide7.xml><?xml version="1.0" encoding="utf-8"?>
 <p:sld xmlns:a="http://schemas.openxmlformats.org/drawingml/2006/main" xmlns:r="http://schemas.openxmlformats.org/officeDocument/2006/relationships" xmlns:p="http://schemas.openxmlformats.org/presentationml/2006/main" xmlns:m="http://schemas.openxmlformats.org/officeDocument/2006/math" xmlns:w="http://schemas.openxmlformats.org/wordprocessingml/2006/main" showMasterPhAnim="0" show="1">
-  <p:cSld name="page15">
+  <p:cSld name="page13">
     <p:spTree>
       <p:nvGrpSpPr>
         <p:cNvPr id="1" name="" hidden="0"/>
@@ -3405,7 +3952,7 @@
                 <a:ea typeface="Verdana"/>
                 <a:cs typeface="DejaVu Sans"/>
               </a:rPr>
-              <a:t>Exemplo – produtor consumidor</a:t>
+              <a:t>Problema – leitura de informações</a:t>
             </a:r>
             <a:br>
               <a:rPr strike="noStrike"/>
@@ -3619,197 +4166,6 @@
             <a:pPr>
               <a:defRPr/>
             </a:pPr>
-            <a:endParaRPr/>
-          </a:p>
-        </p:txBody>
-      </p:sp>
-      <p:sp>
-        <p:nvSpPr>
-          <p:cNvPr id="12" name="CustomShape 5" hidden="0"/>
-          <p:cNvSpPr>
-            <a:spLocks noGrp="1"/>
-          </p:cNvSpPr>
-          <p:nvPr isPhoto="0" userDrawn="0"/>
-        </p:nvSpPr>
-        <p:spPr bwMode="auto">
-          <a:xfrm flipH="0" flipV="0">
-            <a:off x="2591835" y="2807821"/>
-            <a:ext cx="2159502" cy="1799525"/>
-          </a:xfrm>
-          <a:prstGeom prst="ellipse">
-            <a:avLst/>
-          </a:prstGeom>
-          <a:noFill/>
-          <a:ln w="12700">
-            <a:solidFill>
-              <a:srgbClr val="FF0000"/>
-            </a:solidFill>
-          </a:ln>
-        </p:spPr>
-        <p:txBody>
-          <a:bodyPr lIns="89992" tIns="44995" rIns="89992" bIns="44995" anchor="t"/>
-          <a:p>
-            <a:pPr>
-              <a:defRPr/>
-            </a:pPr>
-            <a:endParaRPr/>
-          </a:p>
-        </p:txBody>
-      </p:sp>
-      <p:sp>
-        <p:nvSpPr>
-          <p:cNvPr id="13" name="CustomShape 6" hidden="0"/>
-          <p:cNvSpPr>
-            <a:spLocks noGrp="1"/>
-          </p:cNvSpPr>
-          <p:nvPr isPhoto="0" userDrawn="0"/>
-        </p:nvSpPr>
-        <p:spPr bwMode="auto">
-          <a:xfrm flipH="0" flipV="0">
-            <a:off x="5327663" y="2807821"/>
-            <a:ext cx="1799525" cy="1871521"/>
-          </a:xfrm>
-          <a:prstGeom prst="ellipse">
-            <a:avLst/>
-          </a:prstGeom>
-          <a:noFill/>
-          <a:ln w="12700">
-            <a:solidFill>
-              <a:srgbClr val="FF0000"/>
-            </a:solidFill>
-          </a:ln>
-        </p:spPr>
-        <p:txBody>
-          <a:bodyPr lIns="89992" tIns="44995" rIns="89992" bIns="44995" anchor="t"/>
-          <a:p>
-            <a:pPr>
-              <a:defRPr/>
-            </a:pPr>
-            <a:endParaRPr/>
-          </a:p>
-        </p:txBody>
-      </p:sp>
-      <p:sp>
-        <p:nvSpPr>
-          <p:cNvPr id="14" name="TextShape 7" hidden="0"/>
-          <p:cNvSpPr>
-            <a:spLocks noGrp="1"/>
-          </p:cNvSpPr>
-          <p:nvPr isPhoto="0" userDrawn="0"/>
-        </p:nvSpPr>
-        <p:spPr bwMode="auto">
-          <a:xfrm flipH="0" flipV="0">
-            <a:off x="764230" y="2093627"/>
-            <a:ext cx="2475239" cy="912987"/>
-          </a:xfrm>
-          <a:prstGeom prst="rect">
-            <a:avLst/>
-          </a:prstGeom>
-          <a:noFill/>
-          <a:ln>
-            <a:noFill/>
-          </a:ln>
-        </p:spPr>
-        <p:txBody>
-          <a:bodyPr lIns="89992" tIns="44995" rIns="89992" bIns="44995" anchor="t">
-            <a:spAutoFit/>
-          </a:bodyPr>
-          <a:lstStyle/>
-          <a:p>
-            <a:pPr algn="ctr">
-              <a:lnSpc>
-                <a:spcPct val="100000"/>
-              </a:lnSpc>
-              <a:spcBef>
-                <a:spcPts val="0"/>
-              </a:spcBef>
-              <a:spcAft>
-                <a:spcPts val="0"/>
-              </a:spcAft>
-              <a:defRPr/>
-            </a:pPr>
-            <a:r>
-              <a:rPr sz="1800" u="none">
-                <a:latin typeface="Arial"/>
-              </a:rPr>
-              <a:t>Escaneia e </a:t>
-            </a:r>
-            <a:br>
-              <a:rPr strike="noStrike"/>
-            </a:br>
-            <a:r>
-              <a:rPr sz="1800" u="none">
-                <a:latin typeface="Arial"/>
-              </a:rPr>
-              <a:t>devolve imagem a ser </a:t>
-            </a:r>
-            <a:br>
-              <a:rPr strike="noStrike"/>
-            </a:br>
-            <a:r>
-              <a:rPr sz="1800" u="none">
-                <a:latin typeface="Arial"/>
-              </a:rPr>
-              <a:t>processada</a:t>
-            </a:r>
-            <a:endParaRPr/>
-          </a:p>
-        </p:txBody>
-      </p:sp>
-      <p:sp>
-        <p:nvSpPr>
-          <p:cNvPr id="15" name="TextShape 8" hidden="0"/>
-          <p:cNvSpPr>
-            <a:spLocks noGrp="1"/>
-          </p:cNvSpPr>
-          <p:nvPr isPhoto="0" userDrawn="0"/>
-        </p:nvSpPr>
-        <p:spPr bwMode="auto">
-          <a:xfrm flipH="0" flipV="0">
-            <a:off x="5255667" y="4679704"/>
-            <a:ext cx="2628589" cy="638667"/>
-          </a:xfrm>
-          <a:prstGeom prst="rect">
-            <a:avLst/>
-          </a:prstGeom>
-          <a:noFill/>
-          <a:ln>
-            <a:noFill/>
-          </a:ln>
-        </p:spPr>
-        <p:txBody>
-          <a:bodyPr lIns="89992" tIns="44995" rIns="89992" bIns="44995" anchor="t">
-            <a:spAutoFit/>
-          </a:bodyPr>
-          <a:lstStyle/>
-          <a:p>
-            <a:pPr algn="ctr">
-              <a:lnSpc>
-                <a:spcPct val="100000"/>
-              </a:lnSpc>
-              <a:spcBef>
-                <a:spcPts val="0"/>
-              </a:spcBef>
-              <a:spcAft>
-                <a:spcPts val="0"/>
-              </a:spcAft>
-              <a:defRPr/>
-            </a:pPr>
-            <a:r>
-              <a:rPr sz="1800" u="none">
-                <a:latin typeface="Arial"/>
-              </a:rPr>
-              <a:t>Transforma</a:t>
-            </a:r>
-            <a:br>
-              <a:rPr strike="noStrike"/>
-            </a:br>
-            <a:r>
-              <a:rPr sz="1800" u="none">
-                <a:latin typeface="Arial"/>
-              </a:rPr>
-              <a:t>imagem em informação</a:t>
-            </a:r>
             <a:endParaRPr/>
           </a:p>
         </p:txBody>
@@ -3832,7 +4188,7 @@
 
 <file path=ppt/slides/slide8.xml><?xml version="1.0" encoding="utf-8"?>
 <p:sld xmlns:a="http://schemas.openxmlformats.org/drawingml/2006/main" xmlns:r="http://schemas.openxmlformats.org/officeDocument/2006/relationships" xmlns:p="http://schemas.openxmlformats.org/presentationml/2006/main" xmlns:m="http://schemas.openxmlformats.org/officeDocument/2006/math" xmlns:w="http://schemas.openxmlformats.org/wordprocessingml/2006/main" showMasterPhAnim="0" show="1">
-  <p:cSld name="page14">
+  <p:cSld name="page15">
     <p:spTree>
       <p:nvGrpSpPr>
         <p:cNvPr id="1" name="" hidden="0"/>
@@ -3910,18 +4266,287 @@
           </a:p>
         </p:txBody>
       </p:sp>
-      <p:sp>
-        <p:nvSpPr>
-          <p:cNvPr id="5" name="TextShape 2" hidden="0"/>
+      <p:pic>
+        <p:nvPicPr>
+          <p:cNvPr id="5" name="" hidden="0"/>
+          <p:cNvPicPr/>
+          <p:nvPr isPhoto="0" userDrawn="0"/>
+        </p:nvPicPr>
+        <p:blipFill>
+          <a:blip r:embed="rId2">
+            <a:alphaModFix amt="100000"/>
+            <a:lum bright="0" contrast="0"/>
+          </a:blip>
+          <a:stretch/>
+        </p:blipFill>
+        <p:spPr bwMode="auto">
+          <a:xfrm>
+            <a:off x="3019488" y="3235115"/>
+            <a:ext cx="1731848" cy="1156246"/>
+          </a:xfrm>
+          <a:prstGeom prst="rect">
+            <a:avLst/>
+          </a:prstGeom>
+          <a:ln>
+            <a:noFill/>
+          </a:ln>
+        </p:spPr>
+      </p:pic>
+      <p:pic>
+        <p:nvPicPr>
+          <p:cNvPr id="6" name="" hidden="0"/>
+          <p:cNvPicPr/>
+          <p:nvPr isPhoto="0" userDrawn="0"/>
+        </p:nvPicPr>
+        <p:blipFill>
+          <a:blip r:embed="rId3">
+            <a:alphaModFix amt="100000"/>
+            <a:lum bright="0" contrast="0"/>
+          </a:blip>
+          <a:stretch/>
+        </p:blipFill>
+        <p:spPr bwMode="auto">
+          <a:xfrm>
+            <a:off x="277182" y="3136842"/>
+            <a:ext cx="1810324" cy="1398509"/>
+          </a:xfrm>
+          <a:prstGeom prst="rect">
+            <a:avLst/>
+          </a:prstGeom>
+          <a:ln>
+            <a:noFill/>
+          </a:ln>
+        </p:spPr>
+      </p:pic>
+      <p:sp>
+        <p:nvSpPr>
+          <p:cNvPr id="7" name="Line 2" hidden="0"/>
           <p:cNvSpPr>
             <a:spLocks noGrp="1"/>
           </p:cNvSpPr>
           <p:nvPr isPhoto="0" userDrawn="0"/>
         </p:nvSpPr>
         <p:spPr bwMode="auto">
+          <a:xfrm>
+            <a:off x="2231858" y="3743763"/>
+            <a:ext cx="643638" cy="358"/>
+          </a:xfrm>
+          <a:prstGeom prst="line">
+            <a:avLst/>
+          </a:prstGeom>
+          <a:ln w="12700">
+            <a:solidFill>
+              <a:srgbClr val="000000"/>
+            </a:solidFill>
+            <a:tailEnd type="triangle"/>
+          </a:ln>
+        </p:spPr>
+        <p:txBody>
+          <a:bodyPr lIns="89992" tIns="44995" rIns="89992" bIns="44995" anchor="t"/>
+          <a:p>
+            <a:pPr>
+              <a:defRPr/>
+            </a:pPr>
+            <a:endParaRPr/>
+          </a:p>
+        </p:txBody>
+      </p:sp>
+      <p:pic>
+        <p:nvPicPr>
+          <p:cNvPr id="8" name="" hidden="0"/>
+          <p:cNvPicPr/>
+          <p:nvPr isPhoto="0" userDrawn="0"/>
+        </p:nvPicPr>
+        <p:blipFill>
+          <a:blip r:embed="rId4">
+            <a:alphaModFix amt="100000"/>
+            <a:lum bright="0" contrast="0"/>
+          </a:blip>
+          <a:stretch/>
+        </p:blipFill>
+        <p:spPr bwMode="auto">
+          <a:xfrm>
+            <a:off x="7415532" y="2879817"/>
+            <a:ext cx="1542501" cy="1542501"/>
+          </a:xfrm>
+          <a:prstGeom prst="rect">
+            <a:avLst/>
+          </a:prstGeom>
+          <a:ln>
+            <a:noFill/>
+          </a:ln>
+        </p:spPr>
+      </p:pic>
+      <p:pic>
+        <p:nvPicPr>
+          <p:cNvPr id="9" name="" hidden="0"/>
+          <p:cNvPicPr/>
+          <p:nvPr isPhoto="0" userDrawn="0"/>
+        </p:nvPicPr>
+        <p:blipFill>
+          <a:blip r:embed="rId5">
+            <a:alphaModFix amt="100000"/>
+            <a:lum bright="0" contrast="0"/>
+          </a:blip>
+          <a:stretch/>
+        </p:blipFill>
+        <p:spPr bwMode="auto">
+          <a:xfrm>
+            <a:off x="5701320" y="3239794"/>
+            <a:ext cx="1137888" cy="1254519"/>
+          </a:xfrm>
+          <a:prstGeom prst="rect">
+            <a:avLst/>
+          </a:prstGeom>
+          <a:ln>
+            <a:noFill/>
+          </a:ln>
+        </p:spPr>
+      </p:pic>
+      <p:sp>
+        <p:nvSpPr>
+          <p:cNvPr id="10" name="Line 3" hidden="0"/>
+          <p:cNvSpPr>
+            <a:spLocks noGrp="1"/>
+          </p:cNvSpPr>
+          <p:nvPr isPhoto="0" userDrawn="0"/>
+        </p:nvSpPr>
+        <p:spPr bwMode="auto">
+          <a:xfrm>
+            <a:off x="4823695" y="3743763"/>
+            <a:ext cx="647958" cy="358"/>
+          </a:xfrm>
+          <a:prstGeom prst="line">
+            <a:avLst/>
+          </a:prstGeom>
+          <a:ln w="12700">
+            <a:solidFill>
+              <a:srgbClr val="000000"/>
+            </a:solidFill>
+            <a:tailEnd type="triangle"/>
+          </a:ln>
+        </p:spPr>
+        <p:txBody>
+          <a:bodyPr lIns="89992" tIns="44995" rIns="89992" bIns="44995" anchor="t"/>
+          <a:p>
+            <a:pPr>
+              <a:defRPr/>
+            </a:pPr>
+            <a:endParaRPr/>
+          </a:p>
+        </p:txBody>
+      </p:sp>
+      <p:sp>
+        <p:nvSpPr>
+          <p:cNvPr id="11" name="Line 4" hidden="0"/>
+          <p:cNvSpPr>
+            <a:spLocks noGrp="1"/>
+          </p:cNvSpPr>
+          <p:nvPr isPhoto="0" userDrawn="0"/>
+        </p:nvSpPr>
+        <p:spPr bwMode="auto">
+          <a:xfrm>
+            <a:off x="6983559" y="3671767"/>
+            <a:ext cx="791949" cy="358"/>
+          </a:xfrm>
+          <a:prstGeom prst="line">
+            <a:avLst/>
+          </a:prstGeom>
+          <a:ln w="12700">
+            <a:solidFill>
+              <a:srgbClr val="000000"/>
+            </a:solidFill>
+            <a:tailEnd type="triangle"/>
+          </a:ln>
+        </p:spPr>
+        <p:txBody>
+          <a:bodyPr lIns="89992" tIns="44995" rIns="89992" bIns="44995" anchor="t"/>
+          <a:p>
+            <a:pPr>
+              <a:defRPr/>
+            </a:pPr>
+            <a:endParaRPr/>
+          </a:p>
+        </p:txBody>
+      </p:sp>
+      <p:sp>
+        <p:nvSpPr>
+          <p:cNvPr id="12" name="CustomShape 5" hidden="0"/>
+          <p:cNvSpPr>
+            <a:spLocks noGrp="1"/>
+          </p:cNvSpPr>
+          <p:nvPr isPhoto="0" userDrawn="0"/>
+        </p:nvSpPr>
+        <p:spPr bwMode="auto">
           <a:xfrm flipH="0" flipV="0">
-            <a:off x="711315" y="1720330"/>
-            <a:ext cx="8216409" cy="4368508"/>
+            <a:off x="2591835" y="2807821"/>
+            <a:ext cx="2159502" cy="1799525"/>
+          </a:xfrm>
+          <a:prstGeom prst="ellipse">
+            <a:avLst/>
+          </a:prstGeom>
+          <a:noFill/>
+          <a:ln w="12700">
+            <a:solidFill>
+              <a:srgbClr val="FF0000"/>
+            </a:solidFill>
+          </a:ln>
+        </p:spPr>
+        <p:txBody>
+          <a:bodyPr lIns="89992" tIns="44995" rIns="89992" bIns="44995" anchor="t"/>
+          <a:p>
+            <a:pPr>
+              <a:defRPr/>
+            </a:pPr>
+            <a:endParaRPr/>
+          </a:p>
+        </p:txBody>
+      </p:sp>
+      <p:sp>
+        <p:nvSpPr>
+          <p:cNvPr id="13" name="CustomShape 6" hidden="0"/>
+          <p:cNvSpPr>
+            <a:spLocks noGrp="1"/>
+          </p:cNvSpPr>
+          <p:nvPr isPhoto="0" userDrawn="0"/>
+        </p:nvSpPr>
+        <p:spPr bwMode="auto">
+          <a:xfrm flipH="0" flipV="0">
+            <a:off x="5327663" y="2807821"/>
+            <a:ext cx="1799525" cy="1871521"/>
+          </a:xfrm>
+          <a:prstGeom prst="ellipse">
+            <a:avLst/>
+          </a:prstGeom>
+          <a:noFill/>
+          <a:ln w="12700">
+            <a:solidFill>
+              <a:srgbClr val="FF0000"/>
+            </a:solidFill>
+          </a:ln>
+        </p:spPr>
+        <p:txBody>
+          <a:bodyPr lIns="89992" tIns="44995" rIns="89992" bIns="44995" anchor="t"/>
+          <a:p>
+            <a:pPr>
+              <a:defRPr/>
+            </a:pPr>
+            <a:endParaRPr/>
+          </a:p>
+        </p:txBody>
+      </p:sp>
+      <p:sp>
+        <p:nvSpPr>
+          <p:cNvPr id="14" name="TextShape 7" hidden="0"/>
+          <p:cNvSpPr>
+            <a:spLocks noGrp="1"/>
+          </p:cNvSpPr>
+          <p:nvPr isPhoto="0" userDrawn="0"/>
+        </p:nvSpPr>
+        <p:spPr bwMode="auto">
+          <a:xfrm flipH="0" flipV="0">
+            <a:off x="764230" y="2093627"/>
+            <a:ext cx="2475239" cy="912987"/>
           </a:xfrm>
           <a:prstGeom prst="rect">
             <a:avLst/>
@@ -3937,7 +4562,7 @@
           </a:bodyPr>
           <a:lstStyle/>
           <a:p>
-            <a:pPr algn="l">
+            <a:pPr algn="ctr">
               <a:lnSpc>
                 <a:spcPct val="100000"/>
               </a:lnSpc>
@@ -3950,22 +4575,61 @@
               <a:defRPr/>
             </a:pPr>
             <a:r>
-              <a:rPr sz="2400" u="none">
-                <a:solidFill>
-                  <a:srgbClr val="000000"/>
-                </a:solidFill>
-                <a:latin typeface="Verdana"/>
-                <a:ea typeface="Verdana"/>
-              </a:rPr>
-              <a:t>Dois conjuntos de threads</a:t>
+              <a:rPr sz="1800" u="none">
+                <a:latin typeface="Arial"/>
+              </a:rPr>
+              <a:t>Escaneia e </a:t>
             </a:r>
             <a:br>
               <a:rPr strike="noStrike"/>
             </a:br>
-            <a:endParaRPr/>
-          </a:p>
-          <a:p>
-            <a:pPr marL="215985" lvl="0" indent="215625" algn="l">
+            <a:r>
+              <a:rPr sz="1800" u="none">
+                <a:latin typeface="Arial"/>
+              </a:rPr>
+              <a:t>devolve imagem a ser </a:t>
+            </a:r>
+            <a:br>
+              <a:rPr strike="noStrike"/>
+            </a:br>
+            <a:r>
+              <a:rPr sz="1800" u="none">
+                <a:latin typeface="Arial"/>
+              </a:rPr>
+              <a:t>processada</a:t>
+            </a:r>
+            <a:endParaRPr/>
+          </a:p>
+        </p:txBody>
+      </p:sp>
+      <p:sp>
+        <p:nvSpPr>
+          <p:cNvPr id="15" name="TextShape 8" hidden="0"/>
+          <p:cNvSpPr>
+            <a:spLocks noGrp="1"/>
+          </p:cNvSpPr>
+          <p:nvPr isPhoto="0" userDrawn="0"/>
+        </p:nvSpPr>
+        <p:spPr bwMode="auto">
+          <a:xfrm flipH="0" flipV="0">
+            <a:off x="5255667" y="4679704"/>
+            <a:ext cx="2628589" cy="638667"/>
+          </a:xfrm>
+          <a:prstGeom prst="rect">
+            <a:avLst/>
+          </a:prstGeom>
+          <a:noFill/>
+          <a:ln>
+            <a:noFill/>
+          </a:ln>
+        </p:spPr>
+        <p:txBody>
+          <a:bodyPr lIns="89992" tIns="44995" rIns="89992" bIns="44995" anchor="t">
+            <a:spAutoFit/>
+          </a:bodyPr>
+          <a:lstStyle/>
+          <a:p>
+            <a:pPr algn="ctr">
               <a:lnSpc>
                 <a:spcPct val="100000"/>
               </a:lnSpc>
@@ -3975,264 +4639,23 @@
               <a:spcAft>
                 <a:spcPts val="0"/>
               </a:spcAft>
-              <a:buClr>
-                <a:srgbClr val="000000"/>
-              </a:buClr>
-              <a:buSzPct val="45000"/>
-              <a:buFont typeface="Wingdings"/>
-              <a:buChar char=""/>
-              <a:defRPr/>
-            </a:pPr>
-            <a:endParaRPr/>
-          </a:p>
-          <a:p>
-            <a:pPr marL="750015" lvl="1" indent="-349965" algn="l">
-              <a:lnSpc>
-                <a:spcPct val="100000"/>
-              </a:lnSpc>
-              <a:spcBef>
-                <a:spcPts val="0"/>
-              </a:spcBef>
-              <a:spcAft>
-                <a:spcPts val="0"/>
-              </a:spcAft>
-              <a:buFont typeface="Arial"/>
-              <a:buChar char="•"/>
-              <a:defRPr/>
-            </a:pPr>
-            <a:r>
-              <a:rPr sz="2400" u="sng">
-                <a:solidFill>
-                  <a:srgbClr val="000000"/>
-                </a:solidFill>
-                <a:latin typeface="Verdana"/>
-                <a:ea typeface="Verdana"/>
-              </a:rPr>
-              <a:t>Produzem</a:t>
-            </a:r>
-            <a:r>
-              <a:rPr sz="2400" u="none">
-                <a:solidFill>
-                  <a:srgbClr val="000000"/>
-                </a:solidFill>
-                <a:latin typeface="Verdana"/>
-                <a:ea typeface="Verdana"/>
-              </a:rPr>
-              <a:t> tarefas a serem executadas</a:t>
-            </a:r>
-            <a:endParaRPr sz="2400" u="none">
-              <a:solidFill>
-                <a:srgbClr val="000000"/>
-              </a:solidFill>
-              <a:latin typeface="Verdana"/>
-              <a:ea typeface="Verdana"/>
-            </a:endParaRPr>
-          </a:p>
-          <a:p>
-            <a:pPr marL="750015" lvl="1" indent="-349965" algn="l">
-              <a:lnSpc>
-                <a:spcPct val="100000"/>
-              </a:lnSpc>
-              <a:spcBef>
-                <a:spcPts val="0"/>
-              </a:spcBef>
-              <a:spcAft>
-                <a:spcPts val="0"/>
-              </a:spcAft>
-              <a:buFont typeface="Arial"/>
-              <a:buChar char="•"/>
-              <a:defRPr/>
-            </a:pPr>
-            <a:endParaRPr/>
-          </a:p>
-          <a:p>
-            <a:pPr marL="0" marR="0" indent="0" algn="l">
-              <a:lnSpc>
-                <a:spcPct val="100000"/>
-              </a:lnSpc>
-              <a:spcBef>
-                <a:spcPts val="0"/>
-              </a:spcBef>
-              <a:spcAft>
-                <a:spcPts val="0"/>
-              </a:spcAft>
-              <a:defRPr/>
-            </a:pPr>
+              <a:defRPr/>
+            </a:pPr>
+            <a:r>
+              <a:rPr sz="1800" u="none">
+                <a:latin typeface="Arial"/>
+              </a:rPr>
+              <a:t>Transforma</a:t>
+            </a:r>
             <a:br>
               <a:rPr strike="noStrike"/>
             </a:br>
             <a:r>
-              <a:rPr sz="2400" u="none">
-                <a:solidFill>
-                  <a:srgbClr val="000000"/>
-                </a:solidFill>
-                <a:latin typeface="Verdana"/>
-                <a:ea typeface="Verdana"/>
-              </a:rPr>
-              <a:t>Pode depender de um recurso compartilhado</a:t>
-            </a:r>
-            <a:br>
-              <a:rPr strike="noStrike"/>
-            </a:br>
-            <a:r>
-              <a:rPr sz="2400" u="none">
-                <a:solidFill>
-                  <a:srgbClr val="000000"/>
-                </a:solidFill>
-                <a:latin typeface="Verdana"/>
-                <a:ea typeface="Verdana"/>
-              </a:rPr>
-              <a:t>controlar tasdfmanho das tarefas</a:t>
-            </a:r>
-            <a:r>
-              <a:rPr sz="2400" u="none">
-                <a:solidFill>
-                  <a:srgbClr val="000000"/>
-                </a:solidFill>
+              <a:rPr sz="1800" u="none">
                 <a:latin typeface="Arial"/>
-                <a:ea typeface="Verdana"/>
-              </a:rPr>
-              <a:t>.</a:t>
-            </a:r>
-            <a:br>
-              <a:rPr sz="2400" u="none">
-                <a:solidFill>
-                  <a:srgbClr val="000000"/>
-                </a:solidFill>
-                <a:latin typeface="Arial"/>
-                <a:ea typeface="Verdana"/>
-              </a:rPr>
-            </a:br>
-            <a:endParaRPr/>
-          </a:p>
-          <a:p>
-            <a:pPr marL="215985" marR="0" lvl="0" indent="215625" algn="l">
-              <a:lnSpc>
-                <a:spcPct val="100000"/>
-              </a:lnSpc>
-              <a:spcBef>
-                <a:spcPts val="0"/>
-              </a:spcBef>
-              <a:spcAft>
-                <a:spcPts val="0"/>
-              </a:spcAft>
-              <a:buClr>
-                <a:srgbClr val="000000"/>
-              </a:buClr>
-              <a:buSzPct val="45000"/>
-              <a:buFont typeface="Wingdings"/>
-              <a:buChar char=""/>
-              <a:defRPr/>
-            </a:pPr>
-            <a:endParaRPr/>
-          </a:p>
-          <a:p>
-            <a:pPr marL="750015" lvl="1" indent="-349965" algn="l">
-              <a:lnSpc>
-                <a:spcPct val="100000"/>
-              </a:lnSpc>
-              <a:spcBef>
-                <a:spcPts val="0"/>
-              </a:spcBef>
-              <a:spcAft>
-                <a:spcPts val="0"/>
-              </a:spcAft>
-              <a:buFont typeface="Arial"/>
-              <a:buChar char="•"/>
-              <a:defRPr/>
-            </a:pPr>
-            <a:r>
-              <a:rPr sz="2400" u="sng">
-                <a:solidFill>
-                  <a:srgbClr val="000000"/>
-                </a:solidFill>
-                <a:latin typeface="Verdana"/>
-                <a:ea typeface="Verdana"/>
-              </a:rPr>
-              <a:t>Consomem</a:t>
-            </a:r>
-            <a:r>
-              <a:rPr sz="2400" u="none">
-                <a:solidFill>
-                  <a:srgbClr val="000000"/>
-                </a:solidFill>
-                <a:latin typeface="Verdana"/>
-                <a:ea typeface="Verdana"/>
-              </a:rPr>
-              <a:t> as tarefas e as executam. </a:t>
-            </a:r>
-            <a:endParaRPr sz="2400" u="none">
-              <a:solidFill>
-                <a:srgbClr val="000000"/>
-              </a:solidFill>
-              <a:latin typeface="Verdana"/>
-              <a:ea typeface="Verdana"/>
-            </a:endParaRPr>
-          </a:p>
-          <a:p>
-            <a:pPr marL="750015" lvl="1" indent="-349965" algn="l">
-              <a:lnSpc>
-                <a:spcPct val="100000"/>
-              </a:lnSpc>
-              <a:spcBef>
-                <a:spcPts val="0"/>
-              </a:spcBef>
-              <a:spcAft>
-                <a:spcPts val="0"/>
-              </a:spcAft>
-              <a:buFont typeface="Arial"/>
-              <a:buChar char="•"/>
-              <a:defRPr/>
-            </a:pPr>
-            <a:endParaRPr sz="2400" u="none">
-              <a:solidFill>
-                <a:srgbClr val="000000"/>
-              </a:solidFill>
-              <a:latin typeface="Verdana"/>
-              <a:ea typeface="Verdana"/>
-            </a:endParaRPr>
-          </a:p>
-          <a:p>
-            <a:pPr lvl="1" algn="l">
-              <a:lnSpc>
-                <a:spcPct val="100000"/>
-              </a:lnSpc>
-              <a:spcBef>
-                <a:spcPts val="0"/>
-              </a:spcBef>
-              <a:spcAft>
-                <a:spcPts val="0"/>
-              </a:spcAft>
-              <a:defRPr/>
-            </a:pPr>
-            <a:r>
-              <a:rPr sz="2400" u="none">
-                <a:solidFill>
-                  <a:srgbClr val="000000"/>
-                </a:solidFill>
-                <a:latin typeface="Verdana"/>
-                <a:ea typeface="Verdana"/>
-              </a:rPr>
-              <a:t>Cada consumidor não depende dos produtores nem de outros consumidores.</a:t>
-            </a:r>
-            <a:endParaRPr/>
-          </a:p>
-          <a:p>
-            <a:pPr marL="0" marR="0" indent="0" algn="l">
-              <a:lnSpc>
-                <a:spcPct val="100000"/>
-              </a:lnSpc>
-              <a:spcBef>
-                <a:spcPts val="0"/>
-              </a:spcBef>
-              <a:spcAft>
-                <a:spcPts val="0"/>
-              </a:spcAft>
-              <a:defRPr/>
-            </a:pPr>
-            <a:br>
-              <a:rPr strike="noStrike"/>
-            </a:br>
+              </a:rPr>
+              <a:t>imagem em informação</a:t>
+            </a:r>
             <a:endParaRPr/>
           </a:p>
         </p:txBody>
@@ -4255,7 +4678,7 @@
 
 <file path=ppt/slides/slide9.xml><?xml version="1.0" encoding="utf-8"?>
 <p:sld xmlns:a="http://schemas.openxmlformats.org/drawingml/2006/main" xmlns:r="http://schemas.openxmlformats.org/officeDocument/2006/relationships" xmlns:p="http://schemas.openxmlformats.org/presentationml/2006/main" xmlns:m="http://schemas.openxmlformats.org/officeDocument/2006/math" xmlns:w="http://schemas.openxmlformats.org/wordprocessingml/2006/main" showMasterPhAnim="0" show="1">
-  <p:cSld name="page16">
+  <p:cSld name="page14">
     <p:spTree>
       <p:nvGrpSpPr>
         <p:cNvPr id="1" name="" hidden="0"/>
@@ -4318,7 +4741,7 @@
                 <a:ea typeface="Verdana"/>
                 <a:cs typeface="DejaVu Sans"/>
               </a:rPr>
-              <a:t>Exemplo 1 – produtor consumidor</a:t>
+              <a:t>Exemplo – produtor consumidor</a:t>
             </a:r>
             <a:br>
               <a:rPr strike="noStrike"/>
@@ -4333,287 +4756,18 @@
           </a:p>
         </p:txBody>
       </p:sp>
-      <p:pic>
-        <p:nvPicPr>
-          <p:cNvPr id="5" name="" hidden="0"/>
-          <p:cNvPicPr/>
-          <p:nvPr isPhoto="0" userDrawn="0"/>
-        </p:nvPicPr>
-        <p:blipFill>
-          <a:blip r:embed="rId2">
-            <a:alphaModFix amt="100000"/>
-            <a:lum bright="0" contrast="0"/>
-          </a:blip>
-          <a:stretch/>
-        </p:blipFill>
-        <p:spPr bwMode="auto">
-          <a:xfrm>
-            <a:off x="3019488" y="3235115"/>
-            <a:ext cx="1731848" cy="1156246"/>
-          </a:xfrm>
-          <a:prstGeom prst="rect">
-            <a:avLst/>
-          </a:prstGeom>
-          <a:ln>
-            <a:noFill/>
-          </a:ln>
-        </p:spPr>
-      </p:pic>
-      <p:pic>
-        <p:nvPicPr>
-          <p:cNvPr id="6" name="" hidden="0"/>
-          <p:cNvPicPr/>
-          <p:nvPr isPhoto="0" userDrawn="0"/>
-        </p:nvPicPr>
-        <p:blipFill>
-          <a:blip r:embed="rId3">
-            <a:alphaModFix amt="100000"/>
-            <a:lum bright="0" contrast="0"/>
-          </a:blip>
-          <a:stretch/>
-        </p:blipFill>
-        <p:spPr bwMode="auto">
-          <a:xfrm>
-            <a:off x="277182" y="3136842"/>
-            <a:ext cx="1810324" cy="1398509"/>
-          </a:xfrm>
-          <a:prstGeom prst="rect">
-            <a:avLst/>
-          </a:prstGeom>
-          <a:ln>
-            <a:noFill/>
-          </a:ln>
-        </p:spPr>
-      </p:pic>
-      <p:sp>
-        <p:nvSpPr>
-          <p:cNvPr id="7" name="Line 2" hidden="0"/>
+      <p:sp>
+        <p:nvSpPr>
+          <p:cNvPr id="5" name="TextShape 2" hidden="0"/>
           <p:cNvSpPr>
             <a:spLocks noGrp="1"/>
           </p:cNvSpPr>
           <p:nvPr isPhoto="0" userDrawn="0"/>
         </p:nvSpPr>
         <p:spPr bwMode="auto">
-          <a:xfrm>
-            <a:off x="2231858" y="3743763"/>
-            <a:ext cx="643638" cy="358"/>
-          </a:xfrm>
-          <a:prstGeom prst="line">
-            <a:avLst/>
-          </a:prstGeom>
-          <a:ln w="12700">
-            <a:solidFill>
-              <a:srgbClr val="000000"/>
-            </a:solidFill>
-            <a:tailEnd type="triangle"/>
-          </a:ln>
-        </p:spPr>
-        <p:txBody>
-          <a:bodyPr lIns="89992" tIns="44995" rIns="89992" bIns="44995" anchor="t"/>
-          <a:p>
-            <a:pPr>
-              <a:defRPr/>
-            </a:pPr>
-            <a:endParaRPr/>
-          </a:p>
-        </p:txBody>
-      </p:sp>
-      <p:pic>
-        <p:nvPicPr>
-          <p:cNvPr id="8" name="" hidden="0"/>
-          <p:cNvPicPr/>
-          <p:nvPr isPhoto="0" userDrawn="0"/>
-        </p:nvPicPr>
-        <p:blipFill>
-          <a:blip r:embed="rId4">
-            <a:alphaModFix amt="100000"/>
-            <a:lum bright="0" contrast="0"/>
-          </a:blip>
-          <a:stretch/>
-        </p:blipFill>
-        <p:spPr bwMode="auto">
-          <a:xfrm>
-            <a:off x="7415532" y="2879817"/>
-            <a:ext cx="1542501" cy="1542501"/>
-          </a:xfrm>
-          <a:prstGeom prst="rect">
-            <a:avLst/>
-          </a:prstGeom>
-          <a:ln>
-            <a:noFill/>
-          </a:ln>
-        </p:spPr>
-      </p:pic>
-      <p:pic>
-        <p:nvPicPr>
-          <p:cNvPr id="9" name="" hidden="0"/>
-          <p:cNvPicPr/>
-          <p:nvPr isPhoto="0" userDrawn="0"/>
-        </p:nvPicPr>
-        <p:blipFill>
-          <a:blip r:embed="rId5">
-            <a:alphaModFix amt="100000"/>
-            <a:lum bright="0" contrast="0"/>
-          </a:blip>
-          <a:stretch/>
-        </p:blipFill>
-        <p:spPr bwMode="auto">
-          <a:xfrm>
-            <a:off x="5701320" y="3239794"/>
-            <a:ext cx="1137888" cy="1254519"/>
-          </a:xfrm>
-          <a:prstGeom prst="rect">
-            <a:avLst/>
-          </a:prstGeom>
-          <a:ln>
-            <a:noFill/>
-          </a:ln>
-        </p:spPr>
-      </p:pic>
-      <p:sp>
-        <p:nvSpPr>
-          <p:cNvPr id="10" name="Line 3" hidden="0"/>
-          <p:cNvSpPr>
-            <a:spLocks noGrp="1"/>
-          </p:cNvSpPr>
-          <p:nvPr isPhoto="0" userDrawn="0"/>
-        </p:nvSpPr>
-        <p:spPr bwMode="auto">
-          <a:xfrm>
-            <a:off x="4823695" y="3743763"/>
-            <a:ext cx="647958" cy="358"/>
-          </a:xfrm>
-          <a:prstGeom prst="line">
-            <a:avLst/>
-          </a:prstGeom>
-          <a:ln w="12700">
-            <a:solidFill>
-              <a:srgbClr val="000000"/>
-            </a:solidFill>
-            <a:tailEnd type="triangle"/>
-          </a:ln>
-        </p:spPr>
-        <p:txBody>
-          <a:bodyPr lIns="89992" tIns="44995" rIns="89992" bIns="44995" anchor="t"/>
-          <a:p>
-            <a:pPr>
-              <a:defRPr/>
-            </a:pPr>
-            <a:endParaRPr/>
-          </a:p>
-        </p:txBody>
-      </p:sp>
-      <p:sp>
-        <p:nvSpPr>
-          <p:cNvPr id="11" name="Line 4" hidden="0"/>
-          <p:cNvSpPr>
-            <a:spLocks noGrp="1"/>
-          </p:cNvSpPr>
-          <p:nvPr isPhoto="0" userDrawn="0"/>
-        </p:nvSpPr>
-        <p:spPr bwMode="auto">
-          <a:xfrm>
-            <a:off x="6983559" y="3671767"/>
-            <a:ext cx="791949" cy="358"/>
-          </a:xfrm>
-          <a:prstGeom prst="line">
-            <a:avLst/>
-          </a:prstGeom>
-          <a:ln w="12700">
-            <a:solidFill>
-              <a:srgbClr val="000000"/>
-            </a:solidFill>
-            <a:tailEnd type="triangle"/>
-          </a:ln>
-        </p:spPr>
-        <p:txBody>
-          <a:bodyPr lIns="89992" tIns="44995" rIns="89992" bIns="44995" anchor="t"/>
-          <a:p>
-            <a:pPr>
-              <a:defRPr/>
-            </a:pPr>
-            <a:endParaRPr/>
-          </a:p>
-        </p:txBody>
-      </p:sp>
-      <p:sp>
-        <p:nvSpPr>
-          <p:cNvPr id="12" name="CustomShape 5" hidden="0"/>
-          <p:cNvSpPr>
-            <a:spLocks noGrp="1"/>
-          </p:cNvSpPr>
-          <p:nvPr isPhoto="0" userDrawn="0"/>
-        </p:nvSpPr>
-        <p:spPr bwMode="auto">
           <a:xfrm flipH="0" flipV="0">
-            <a:off x="2591835" y="2807821"/>
-            <a:ext cx="2159502" cy="1799525"/>
-          </a:xfrm>
-          <a:prstGeom prst="ellipse">
-            <a:avLst/>
-          </a:prstGeom>
-          <a:noFill/>
-          <a:ln w="12700">
-            <a:solidFill>
-              <a:srgbClr val="FF0000"/>
-            </a:solidFill>
-          </a:ln>
-        </p:spPr>
-        <p:txBody>
-          <a:bodyPr lIns="89992" tIns="44995" rIns="89992" bIns="44995" anchor="t"/>
-          <a:p>
-            <a:pPr>
-              <a:defRPr/>
-            </a:pPr>
-            <a:endParaRPr/>
-          </a:p>
-        </p:txBody>
-      </p:sp>
-      <p:sp>
-        <p:nvSpPr>
-          <p:cNvPr id="13" name="CustomShape 6" hidden="0"/>
-          <p:cNvSpPr>
-            <a:spLocks noGrp="1"/>
-          </p:cNvSpPr>
-          <p:nvPr isPhoto="0" userDrawn="0"/>
-        </p:nvSpPr>
-        <p:spPr bwMode="auto">
-          <a:xfrm flipH="0" flipV="0">
-            <a:off x="5327663" y="2807821"/>
-            <a:ext cx="1799525" cy="1871521"/>
-          </a:xfrm>
-          <a:prstGeom prst="ellipse">
-            <a:avLst/>
-          </a:prstGeom>
-          <a:noFill/>
-          <a:ln w="12700">
-            <a:solidFill>
-              <a:srgbClr val="FF0000"/>
-            </a:solidFill>
-          </a:ln>
-        </p:spPr>
-        <p:txBody>
-          <a:bodyPr lIns="89992" tIns="44995" rIns="89992" bIns="44995" anchor="t"/>
-          <a:p>
-            <a:pPr>
-              <a:defRPr/>
-            </a:pPr>
-            <a:endParaRPr/>
-          </a:p>
-        </p:txBody>
-      </p:sp>
-      <p:sp>
-        <p:nvSpPr>
-          <p:cNvPr id="14" name="TextShape 7" hidden="0"/>
-          <p:cNvSpPr>
-            <a:spLocks noGrp="1"/>
-          </p:cNvSpPr>
-          <p:nvPr isPhoto="0" userDrawn="0"/>
-        </p:nvSpPr>
-        <p:spPr bwMode="auto">
-          <a:xfrm flipH="0" flipV="0">
-            <a:off x="764230" y="2093627"/>
-            <a:ext cx="2475202" cy="912541"/>
+            <a:off x="711315" y="1720330"/>
+            <a:ext cx="8216409" cy="4368508"/>
           </a:xfrm>
           <a:prstGeom prst="rect">
             <a:avLst/>
@@ -4629,7 +4783,7 @@
           </a:bodyPr>
           <a:lstStyle/>
           <a:p>
-            <a:pPr algn="ctr">
+            <a:pPr algn="l">
               <a:lnSpc>
                 <a:spcPct val="100000"/>
               </a:lnSpc>
@@ -4642,67 +4796,163 @@
               <a:defRPr/>
             </a:pPr>
             <a:r>
-              <a:rPr sz="1800" u="sng">
-                <a:latin typeface="Arial"/>
-              </a:rPr>
-              <a:t>Produtor: </a:t>
-            </a:r>
-            <a:r>
-              <a:rPr sz="1800" u="none">
-                <a:latin typeface="Arial"/>
-              </a:rPr>
-              <a:t>Escaneia e </a:t>
+              <a:rPr sz="2400" u="none">
+                <a:solidFill>
+                  <a:srgbClr val="000000"/>
+                </a:solidFill>
+                <a:latin typeface="Verdana"/>
+                <a:ea typeface="Verdana"/>
+              </a:rPr>
+              <a:t>Dois conjuntos de threads</a:t>
             </a:r>
             <a:br>
               <a:rPr strike="noStrike"/>
             </a:br>
-            <a:r>
-              <a:rPr sz="1800" u="none">
-                <a:latin typeface="Arial"/>
-              </a:rPr>
-              <a:t>devolve imagem a ser </a:t>
-            </a:r>
+            <a:endParaRPr/>
+          </a:p>
+          <a:p>
+            <a:pPr marL="215985" lvl="0" indent="215625" algn="l">
+              <a:lnSpc>
+                <a:spcPct val="100000"/>
+              </a:lnSpc>
+              <a:spcBef>
+                <a:spcPts val="0"/>
+              </a:spcBef>
+              <a:spcAft>
+                <a:spcPts val="0"/>
+              </a:spcAft>
+              <a:buClr>
+                <a:srgbClr val="000000"/>
+              </a:buClr>
+              <a:buSzPct val="45000"/>
+              <a:buFont typeface="Wingdings"/>
+              <a:buChar char=""/>
+              <a:defRPr/>
+            </a:pPr>
+            <a:endParaRPr/>
+          </a:p>
+          <a:p>
+            <a:pPr marL="750015" lvl="1" indent="-349965" algn="l">
+              <a:lnSpc>
+                <a:spcPct val="100000"/>
+              </a:lnSpc>
+              <a:spcBef>
+                <a:spcPts val="0"/>
+              </a:spcBef>
+              <a:spcAft>
+                <a:spcPts val="0"/>
+              </a:spcAft>
+              <a:buFont typeface="Arial"/>
+              <a:buChar char="•"/>
+              <a:defRPr/>
+            </a:pPr>
+            <a:r>
+              <a:rPr sz="2400" u="sng">
+                <a:solidFill>
+                  <a:srgbClr val="000000"/>
+                </a:solidFill>
+                <a:latin typeface="Verdana"/>
+                <a:ea typeface="Verdana"/>
+              </a:rPr>
+              <a:t>Produzem</a:t>
+            </a:r>
+            <a:r>
+              <a:rPr sz="2400" u="none">
+                <a:solidFill>
+                  <a:srgbClr val="000000"/>
+                </a:solidFill>
+                <a:latin typeface="Verdana"/>
+                <a:ea typeface="Verdana"/>
+              </a:rPr>
+              <a:t> tarefas a serem executadas</a:t>
+            </a:r>
+            <a:endParaRPr sz="2400" u="none">
+              <a:solidFill>
+                <a:srgbClr val="000000"/>
+              </a:solidFill>
+              <a:latin typeface="Verdana"/>
+              <a:ea typeface="Verdana"/>
+            </a:endParaRPr>
+          </a:p>
+          <a:p>
+            <a:pPr marL="750015" lvl="1" indent="-349965" algn="l">
+              <a:lnSpc>
+                <a:spcPct val="100000"/>
+              </a:lnSpc>
+              <a:spcBef>
+                <a:spcPts val="0"/>
+              </a:spcBef>
+              <a:spcAft>
+                <a:spcPts val="0"/>
+              </a:spcAft>
+              <a:buFont typeface="Arial"/>
+              <a:buChar char="•"/>
+              <a:defRPr/>
+            </a:pPr>
+            <a:endParaRPr/>
+          </a:p>
+          <a:p>
+            <a:pPr marL="0" marR="0" indent="0" algn="l">
+              <a:lnSpc>
+                <a:spcPct val="100000"/>
+              </a:lnSpc>
+              <a:spcBef>
+                <a:spcPts val="0"/>
+              </a:spcBef>
+              <a:spcAft>
+                <a:spcPts val="0"/>
+              </a:spcAft>
+              <a:defRPr/>
+            </a:pPr>
             <a:br>
               <a:rPr strike="noStrike"/>
             </a:br>
             <a:r>
-              <a:rPr sz="1800" u="none">
+              <a:rPr sz="2400" u="none">
+                <a:solidFill>
+                  <a:srgbClr val="000000"/>
+                </a:solidFill>
+                <a:latin typeface="Verdana"/>
+                <a:ea typeface="Verdana"/>
+              </a:rPr>
+              <a:t>Pode depender de um recurso compartilhado</a:t>
+            </a:r>
+            <a:br>
+              <a:rPr strike="noStrike"/>
+            </a:br>
+            <a:r>
+              <a:rPr sz="2400" u="none">
+                <a:solidFill>
+                  <a:srgbClr val="000000"/>
+                </a:solidFill>
+                <a:latin typeface="Verdana"/>
+                <a:ea typeface="Verdana"/>
+              </a:rPr>
+              <a:t>controlar tasdfmanho das tarefas</a:t>
+            </a:r>
+            <a:r>
+              <a:rPr sz="2400" u="none">
+                <a:solidFill>
+                  <a:srgbClr val="000000"/>
+                </a:solidFill>
                 <a:latin typeface="Arial"/>
-              </a:rPr>
-              <a:t>processada</a:t>
-            </a:r>
-            <a:endParaRPr/>
-          </a:p>
-        </p:txBody>
-      </p:sp>
-      <p:sp>
-        <p:nvSpPr>
-          <p:cNvPr id="15" name="TextShape 8" hidden="0"/>
-          <p:cNvSpPr>
-            <a:spLocks noGrp="1"/>
-          </p:cNvSpPr>
-          <p:nvPr isPhoto="0" userDrawn="0"/>
-        </p:nvSpPr>
-        <p:spPr bwMode="auto">
-          <a:xfrm flipH="0" flipV="0">
-            <a:off x="5255667" y="4679704"/>
-            <a:ext cx="2627833" cy="638238"/>
-          </a:xfrm>
-          <a:prstGeom prst="rect">
-            <a:avLst/>
-          </a:prstGeom>
-          <a:noFill/>
-          <a:ln>
-            <a:noFill/>
-          </a:ln>
-        </p:spPr>
-        <p:txBody>
-          <a:bodyPr lIns="89992" tIns="44995" rIns="89992" bIns="44995" anchor="t">
-            <a:spAutoFit/>
-          </a:bodyPr>
-          <a:lstStyle/>
-          <a:p>
-            <a:pPr algn="ctr">
+                <a:ea typeface="Verdana"/>
+              </a:rPr>
+              <a:t>.</a:t>
+            </a:r>
+            <a:br>
+              <a:rPr sz="2400" u="none">
+                <a:solidFill>
+                  <a:srgbClr val="000000"/>
+                </a:solidFill>
+                <a:latin typeface="Arial"/>
+                <a:ea typeface="Verdana"/>
+              </a:rPr>
+            </a:br>
+            <a:endParaRPr/>
+          </a:p>
+          <a:p>
+            <a:pPr marL="215985" marR="0" lvl="0" indent="215625" algn="l">
               <a:lnSpc>
                 <a:spcPct val="100000"/>
               </a:lnSpc>
@@ -4712,153 +4962,124 @@
               <a:spcAft>
                 <a:spcPts val="0"/>
               </a:spcAft>
-              <a:defRPr/>
-            </a:pPr>
-            <a:r>
-              <a:rPr sz="1800" u="sng">
-                <a:latin typeface="Arial"/>
-              </a:rPr>
-              <a:t>Consumidor:</a:t>
-            </a:r>
-            <a:r>
-              <a:rPr sz="1800" u="none">
-                <a:latin typeface="Arial"/>
-              </a:rPr>
-              <a:t> transforma</a:t>
-            </a:r>
+              <a:buClr>
+                <a:srgbClr val="000000"/>
+              </a:buClr>
+              <a:buSzPct val="45000"/>
+              <a:buFont typeface="Wingdings"/>
+              <a:buChar char=""/>
+              <a:defRPr/>
+            </a:pPr>
+            <a:endParaRPr/>
+          </a:p>
+          <a:p>
+            <a:pPr marL="750015" lvl="1" indent="-349965" algn="l">
+              <a:lnSpc>
+                <a:spcPct val="100000"/>
+              </a:lnSpc>
+              <a:spcBef>
+                <a:spcPts val="0"/>
+              </a:spcBef>
+              <a:spcAft>
+                <a:spcPts val="0"/>
+              </a:spcAft>
+              <a:buFont typeface="Arial"/>
+              <a:buChar char="•"/>
+              <a:defRPr/>
+            </a:pPr>
+            <a:r>
+              <a:rPr sz="2400" u="sng">
+                <a:solidFill>
+                  <a:srgbClr val="000000"/>
+                </a:solidFill>
+                <a:latin typeface="Verdana"/>
+                <a:ea typeface="Verdana"/>
+              </a:rPr>
+              <a:t>Consomem</a:t>
+            </a:r>
+            <a:r>
+              <a:rPr sz="2400" u="none">
+                <a:solidFill>
+                  <a:srgbClr val="000000"/>
+                </a:solidFill>
+                <a:latin typeface="Verdana"/>
+                <a:ea typeface="Verdana"/>
+              </a:rPr>
+              <a:t> as tarefas e as executam. </a:t>
+            </a:r>
+            <a:endParaRPr sz="2400" u="none">
+              <a:solidFill>
+                <a:srgbClr val="000000"/>
+              </a:solidFill>
+              <a:latin typeface="Verdana"/>
+              <a:ea typeface="Verdana"/>
+            </a:endParaRPr>
+          </a:p>
+          <a:p>
+            <a:pPr marL="750015" lvl="1" indent="-349965" algn="l">
+              <a:lnSpc>
+                <a:spcPct val="100000"/>
+              </a:lnSpc>
+              <a:spcBef>
+                <a:spcPts val="0"/>
+              </a:spcBef>
+              <a:spcAft>
+                <a:spcPts val="0"/>
+              </a:spcAft>
+              <a:buFont typeface="Arial"/>
+              <a:buChar char="•"/>
+              <a:defRPr/>
+            </a:pPr>
+            <a:endParaRPr sz="2400" u="none">
+              <a:solidFill>
+                <a:srgbClr val="000000"/>
+              </a:solidFill>
+              <a:latin typeface="Verdana"/>
+              <a:ea typeface="Verdana"/>
+            </a:endParaRPr>
+          </a:p>
+          <a:p>
+            <a:pPr lvl="1" algn="l">
+              <a:lnSpc>
+                <a:spcPct val="100000"/>
+              </a:lnSpc>
+              <a:spcBef>
+                <a:spcPts val="0"/>
+              </a:spcBef>
+              <a:spcAft>
+                <a:spcPts val="0"/>
+              </a:spcAft>
+              <a:defRPr/>
+            </a:pPr>
+            <a:r>
+              <a:rPr sz="2400" u="none">
+                <a:solidFill>
+                  <a:srgbClr val="000000"/>
+                </a:solidFill>
+                <a:latin typeface="Verdana"/>
+                <a:ea typeface="Verdana"/>
+              </a:rPr>
+              <a:t>Cada consumidor não depende dos produtores nem de outros consumidores.</a:t>
+            </a:r>
+            <a:endParaRPr/>
+          </a:p>
+          <a:p>
+            <a:pPr marL="0" marR="0" indent="0" algn="l">
+              <a:lnSpc>
+                <a:spcPct val="100000"/>
+              </a:lnSpc>
+              <a:spcBef>
+                <a:spcPts val="0"/>
+              </a:spcBef>
+              <a:spcAft>
+                <a:spcPts val="0"/>
+              </a:spcAft>
+              <a:defRPr/>
+            </a:pPr>
             <a:br>
               <a:rPr strike="noStrike"/>
             </a:br>
-            <a:r>
-              <a:rPr sz="1800" u="none">
-                <a:latin typeface="Arial"/>
-              </a:rPr>
-              <a:t>imagem em informação</a:t>
-            </a:r>
-            <a:endParaRPr/>
-          </a:p>
-        </p:txBody>
-      </p:sp>
-      <p:sp>
-        <p:nvSpPr>
-          <p:cNvPr id="16" name="" hidden="0"/>
-          <p:cNvSpPr>
-            <a:spLocks noGrp="1"/>
-          </p:cNvSpPr>
-          <p:nvPr isPhoto="0" userDrawn="0"/>
-        </p:nvSpPr>
-        <p:spPr bwMode="auto">
-          <a:xfrm>
-            <a:off x="663016" y="5039681"/>
-            <a:ext cx="4145693" cy="1295989"/>
-          </a:xfrm>
-          <a:prstGeom prst="rect">
-            <a:avLst/>
-          </a:prstGeom>
-          <a:solidFill>
-            <a:srgbClr val="EF413D"/>
-          </a:solidFill>
-          <a:ln w="12700">
-            <a:solidFill>
-              <a:srgbClr val="EF413D"/>
-            </a:solidFill>
-          </a:ln>
-        </p:spPr>
-        <p:txBody>
-          <a:bodyPr wrap="none" lIns="89992" tIns="44995" rIns="89992" bIns="44995" anchor="ctr"/>
-          <a:lstStyle/>
-          <a:p>
-            <a:pPr algn="ctr">
-              <a:defRPr/>
-            </a:pPr>
-            <a:r>
-              <a:rPr sz="1600" b="1" u="none" strike="noStrike">
-                <a:solidFill>
-                  <a:srgbClr val="EEEEEE"/>
-                </a:solidFill>
-              </a:rPr>
-              <a:t>Sincronização</a:t>
-            </a:r>
-            <a:br>
-              <a:rPr sz="1600" strike="noStrike">
-                <a:solidFill>
-                  <a:srgbClr val="EEEEEE"/>
-                </a:solidFill>
-              </a:rPr>
-            </a:br>
-            <a:endParaRPr sz="1600"/>
-          </a:p>
-          <a:p>
-            <a:pPr lvl="0" indent="215985" algn="ctr">
-              <a:buSzPct val="100000"/>
-              <a:buAutoNum type="arabicPeriod" startAt="1"/>
-              <a:defRPr/>
-            </a:pPr>
-            <a:endParaRPr sz="1600"/>
-          </a:p>
-          <a:p>
-            <a:pPr lvl="0" indent="215985" algn="l">
-              <a:buSzPct val="100000"/>
-              <a:buAutoNum type="arabicPeriod" startAt="1"/>
-              <a:defRPr/>
-            </a:pPr>
-            <a:r>
-              <a:rPr sz="1600" strike="noStrike">
-                <a:solidFill>
-                  <a:srgbClr val="EEEEEE"/>
-                </a:solidFill>
-              </a:rPr>
-              <a:t> </a:t>
-            </a:r>
-            <a:r>
-              <a:rPr sz="1600" u="sng" strike="noStrike">
-                <a:solidFill>
-                  <a:srgbClr val="EEEEEE"/>
-                </a:solidFill>
-              </a:rPr>
-              <a:t>Consumidor</a:t>
-            </a:r>
-            <a:r>
-              <a:rPr sz="1600" strike="noStrike">
-                <a:solidFill>
-                  <a:srgbClr val="EEEEEE"/>
-                </a:solidFill>
-              </a:rPr>
-              <a:t>: espera produtor enviar item</a:t>
-            </a:r>
-            <a:endParaRPr sz="1600"/>
-          </a:p>
-          <a:p>
-            <a:pPr lvl="0" indent="215985" algn="l">
-              <a:buSzPct val="100000"/>
-              <a:buAutoNum type="arabicPeriod" startAt="1"/>
-              <a:defRPr/>
-            </a:pPr>
-            <a:r>
-              <a:rPr sz="1600" u="none" strike="noStrike">
-                <a:solidFill>
-                  <a:srgbClr val="EEEEEE"/>
-                </a:solidFill>
-              </a:rPr>
-              <a:t> </a:t>
-            </a:r>
-            <a:r>
-              <a:rPr sz="1600" u="sng" strike="noStrike">
-                <a:solidFill>
-                  <a:srgbClr val="EEEEEE"/>
-                </a:solidFill>
-              </a:rPr>
-              <a:t>Produtor</a:t>
-            </a:r>
-            <a:r>
-              <a:rPr sz="1600" strike="noStrike">
-                <a:solidFill>
-                  <a:srgbClr val="EEEEEE"/>
-                </a:solidFill>
-              </a:rPr>
-              <a:t>: cria item e avisa Consumidor</a:t>
-            </a:r>
-            <a:endParaRPr sz="1600"/>
+            <a:endParaRPr/>
           </a:p>
         </p:txBody>
       </p:sp>
